--- a/document/OOAD_Midterm_demo.pptx
+++ b/document/OOAD_Midterm_demo.pptx
@@ -154,6 +154,11 @@
       </a:defRPr>
     </a:lvl9pPr>
   </p:defaultTextStyle>
+  <p:extLst>
+    <p:ext uri="{EFAFB233-063F-42B5-8137-9DF3F51BA10A}">
+      <p15:sldGuideLst xmlns:p15="http://schemas.microsoft.com/office/powerpoint/2012/main"/>
+    </p:ext>
+  </p:extLst>
 </p:presentation>
 </file>
 
@@ -345,7 +350,7 @@
           <a:p>
             <a:fld id="{28DAA045-4540-44C0-BB87-F5B0427377A2}" type="datetimeFigureOut">
               <a:rPr lang="zh-TW" altLang="en-US" smtClean="0"/>
-              <a:t>2017/5/7</a:t>
+              <a:t>2017/5/9</a:t>
             </a:fld>
             <a:endParaRPr lang="zh-TW" altLang="en-US"/>
           </a:p>
@@ -683,7 +688,7 @@
           <a:p>
             <a:fld id="{28DAA045-4540-44C0-BB87-F5B0427377A2}" type="datetimeFigureOut">
               <a:rPr lang="zh-TW" altLang="en-US" smtClean="0"/>
-              <a:t>2017/5/7</a:t>
+              <a:t>2017/5/9</a:t>
             </a:fld>
             <a:endParaRPr lang="zh-TW" altLang="en-US"/>
           </a:p>
@@ -1084,7 +1089,7 @@
           <a:p>
             <a:fld id="{28DAA045-4540-44C0-BB87-F5B0427377A2}" type="datetimeFigureOut">
               <a:rPr lang="zh-TW" altLang="en-US" smtClean="0"/>
-              <a:t>2017/5/7</a:t>
+              <a:t>2017/5/9</a:t>
             </a:fld>
             <a:endParaRPr lang="zh-TW" altLang="en-US"/>
           </a:p>
@@ -1420,7 +1425,7 @@
           <a:p>
             <a:fld id="{28DAA045-4540-44C0-BB87-F5B0427377A2}" type="datetimeFigureOut">
               <a:rPr lang="zh-TW" altLang="en-US" smtClean="0"/>
-              <a:t>2017/5/7</a:t>
+              <a:t>2017/5/9</a:t>
             </a:fld>
             <a:endParaRPr lang="zh-TW" altLang="en-US"/>
           </a:p>
@@ -1740,7 +1745,7 @@
           <a:p>
             <a:fld id="{28DAA045-4540-44C0-BB87-F5B0427377A2}" type="datetimeFigureOut">
               <a:rPr lang="zh-TW" altLang="en-US" smtClean="0"/>
-              <a:t>2017/5/7</a:t>
+              <a:t>2017/5/9</a:t>
             </a:fld>
             <a:endParaRPr lang="zh-TW" altLang="en-US"/>
           </a:p>
@@ -2136,7 +2141,7 @@
           <a:p>
             <a:fld id="{28DAA045-4540-44C0-BB87-F5B0427377A2}" type="datetimeFigureOut">
               <a:rPr lang="zh-TW" altLang="en-US" smtClean="0"/>
-              <a:t>2017/5/7</a:t>
+              <a:t>2017/5/9</a:t>
             </a:fld>
             <a:endParaRPr lang="zh-TW" altLang="en-US"/>
           </a:p>
@@ -2393,7 +2398,7 @@
           <a:p>
             <a:fld id="{28DAA045-4540-44C0-BB87-F5B0427377A2}" type="datetimeFigureOut">
               <a:rPr lang="zh-TW" altLang="en-US" smtClean="0"/>
-              <a:t>2017/5/7</a:t>
+              <a:t>2017/5/9</a:t>
             </a:fld>
             <a:endParaRPr lang="zh-TW" altLang="en-US"/>
           </a:p>
@@ -2655,7 +2660,7 @@
           <a:p>
             <a:fld id="{28DAA045-4540-44C0-BB87-F5B0427377A2}" type="datetimeFigureOut">
               <a:rPr lang="zh-TW" altLang="en-US" smtClean="0"/>
-              <a:t>2017/5/7</a:t>
+              <a:t>2017/5/9</a:t>
             </a:fld>
             <a:endParaRPr lang="zh-TW" altLang="en-US"/>
           </a:p>
@@ -2917,7 +2922,7 @@
           <a:p>
             <a:fld id="{28DAA045-4540-44C0-BB87-F5B0427377A2}" type="datetimeFigureOut">
               <a:rPr lang="zh-TW" altLang="en-US" smtClean="0"/>
-              <a:t>2017/5/7</a:t>
+              <a:t>2017/5/9</a:t>
             </a:fld>
             <a:endParaRPr lang="zh-TW" altLang="en-US"/>
           </a:p>
@@ -3246,7 +3251,7 @@
           <a:p>
             <a:fld id="{28DAA045-4540-44C0-BB87-F5B0427377A2}" type="datetimeFigureOut">
               <a:rPr lang="zh-TW" altLang="en-US" smtClean="0"/>
-              <a:t>2017/5/7</a:t>
+              <a:t>2017/5/9</a:t>
             </a:fld>
             <a:endParaRPr lang="zh-TW" altLang="en-US"/>
           </a:p>
@@ -3569,7 +3574,7 @@
           <a:p>
             <a:fld id="{28DAA045-4540-44C0-BB87-F5B0427377A2}" type="datetimeFigureOut">
               <a:rPr lang="zh-TW" altLang="en-US" smtClean="0"/>
-              <a:t>2017/5/7</a:t>
+              <a:t>2017/5/9</a:t>
             </a:fld>
             <a:endParaRPr lang="zh-TW" altLang="en-US"/>
           </a:p>
@@ -4026,7 +4031,7 @@
           <a:p>
             <a:fld id="{28DAA045-4540-44C0-BB87-F5B0427377A2}" type="datetimeFigureOut">
               <a:rPr lang="zh-TW" altLang="en-US" smtClean="0"/>
-              <a:t>2017/5/7</a:t>
+              <a:t>2017/5/9</a:t>
             </a:fld>
             <a:endParaRPr lang="zh-TW" altLang="en-US"/>
           </a:p>
@@ -4231,7 +4236,7 @@
           <a:p>
             <a:fld id="{28DAA045-4540-44C0-BB87-F5B0427377A2}" type="datetimeFigureOut">
               <a:rPr lang="zh-TW" altLang="en-US" smtClean="0"/>
-              <a:t>2017/5/7</a:t>
+              <a:t>2017/5/9</a:t>
             </a:fld>
             <a:endParaRPr lang="zh-TW" altLang="en-US"/>
           </a:p>
@@ -4408,7 +4413,7 @@
           <a:p>
             <a:fld id="{28DAA045-4540-44C0-BB87-F5B0427377A2}" type="datetimeFigureOut">
               <a:rPr lang="zh-TW" altLang="en-US" smtClean="0"/>
-              <a:t>2017/5/7</a:t>
+              <a:t>2017/5/9</a:t>
             </a:fld>
             <a:endParaRPr lang="zh-TW" altLang="en-US"/>
           </a:p>
@@ -4741,7 +4746,7 @@
           <a:p>
             <a:fld id="{28DAA045-4540-44C0-BB87-F5B0427377A2}" type="datetimeFigureOut">
               <a:rPr lang="zh-TW" altLang="en-US" smtClean="0"/>
-              <a:t>2017/5/7</a:t>
+              <a:t>2017/5/9</a:t>
             </a:fld>
             <a:endParaRPr lang="zh-TW" altLang="en-US"/>
           </a:p>
@@ -5086,7 +5091,7 @@
           <a:p>
             <a:fld id="{28DAA045-4540-44C0-BB87-F5B0427377A2}" type="datetimeFigureOut">
               <a:rPr lang="zh-TW" altLang="en-US" smtClean="0"/>
-              <a:t>2017/5/7</a:t>
+              <a:t>2017/5/9</a:t>
             </a:fld>
             <a:endParaRPr lang="zh-TW" altLang="en-US"/>
           </a:p>
@@ -7203,7 +7208,7 @@
           <a:p>
             <a:fld id="{28DAA045-4540-44C0-BB87-F5B0427377A2}" type="datetimeFigureOut">
               <a:rPr lang="zh-TW" altLang="en-US" smtClean="0"/>
-              <a:t>2017/5/7</a:t>
+              <a:t>2017/5/9</a:t>
             </a:fld>
             <a:endParaRPr lang="zh-TW" altLang="en-US"/>
           </a:p>
@@ -10487,8 +10492,12 @@
           <a:lstStyle/>
           <a:p>
             <a:r>
+              <a:rPr lang="en-US" altLang="zh-TW" smtClean="0"/>
+              <a:t>SOURCE </a:t>
+            </a:r>
+            <a:r>
               <a:rPr lang="en-US" altLang="zh-TW" dirty="0" smtClean="0"/>
-              <a:t>SOUCE CODE</a:t>
+              <a:t>CODE</a:t>
             </a:r>
             <a:endParaRPr lang="zh-TW" altLang="en-US" dirty="0"/>
           </a:p>

--- a/document/OOAD_Midterm_demo.pptx
+++ b/document/OOAD_Midterm_demo.pptx
@@ -30,32 +30,33 @@
     <p:sldId id="274" r:id="rId24"/>
     <p:sldId id="275" r:id="rId25"/>
     <p:sldId id="277" r:id="rId26"/>
-    <p:sldId id="278" r:id="rId27"/>
-    <p:sldId id="279" r:id="rId28"/>
-    <p:sldId id="280" r:id="rId29"/>
-    <p:sldId id="282" r:id="rId30"/>
-    <p:sldId id="286" r:id="rId31"/>
-    <p:sldId id="287" r:id="rId32"/>
-    <p:sldId id="283" r:id="rId33"/>
-    <p:sldId id="288" r:id="rId34"/>
-    <p:sldId id="289" r:id="rId35"/>
-    <p:sldId id="290" r:id="rId36"/>
-    <p:sldId id="291" r:id="rId37"/>
-    <p:sldId id="292" r:id="rId38"/>
-    <p:sldId id="293" r:id="rId39"/>
-    <p:sldId id="294" r:id="rId40"/>
-    <p:sldId id="295" r:id="rId41"/>
-    <p:sldId id="296" r:id="rId42"/>
-    <p:sldId id="297" r:id="rId43"/>
-    <p:sldId id="298" r:id="rId44"/>
-    <p:sldId id="299" r:id="rId45"/>
-    <p:sldId id="300" r:id="rId46"/>
-    <p:sldId id="301" r:id="rId47"/>
-    <p:sldId id="284" r:id="rId48"/>
-    <p:sldId id="285" r:id="rId49"/>
-    <p:sldId id="302" r:id="rId50"/>
-    <p:sldId id="303" r:id="rId51"/>
-    <p:sldId id="307" r:id="rId52"/>
+    <p:sldId id="308" r:id="rId27"/>
+    <p:sldId id="278" r:id="rId28"/>
+    <p:sldId id="279" r:id="rId29"/>
+    <p:sldId id="280" r:id="rId30"/>
+    <p:sldId id="282" r:id="rId31"/>
+    <p:sldId id="286" r:id="rId32"/>
+    <p:sldId id="287" r:id="rId33"/>
+    <p:sldId id="283" r:id="rId34"/>
+    <p:sldId id="288" r:id="rId35"/>
+    <p:sldId id="289" r:id="rId36"/>
+    <p:sldId id="290" r:id="rId37"/>
+    <p:sldId id="291" r:id="rId38"/>
+    <p:sldId id="292" r:id="rId39"/>
+    <p:sldId id="293" r:id="rId40"/>
+    <p:sldId id="294" r:id="rId41"/>
+    <p:sldId id="295" r:id="rId42"/>
+    <p:sldId id="296" r:id="rId43"/>
+    <p:sldId id="297" r:id="rId44"/>
+    <p:sldId id="298" r:id="rId45"/>
+    <p:sldId id="299" r:id="rId46"/>
+    <p:sldId id="300" r:id="rId47"/>
+    <p:sldId id="301" r:id="rId48"/>
+    <p:sldId id="284" r:id="rId49"/>
+    <p:sldId id="285" r:id="rId50"/>
+    <p:sldId id="302" r:id="rId51"/>
+    <p:sldId id="303" r:id="rId52"/>
+    <p:sldId id="307" r:id="rId53"/>
   </p:sldIdLst>
   <p:sldSz cx="12192000" cy="6858000"/>
   <p:notesSz cx="6858000" cy="9144000"/>
@@ -350,7 +351,7 @@
           <a:p>
             <a:fld id="{28DAA045-4540-44C0-BB87-F5B0427377A2}" type="datetimeFigureOut">
               <a:rPr lang="zh-TW" altLang="en-US" smtClean="0"/>
-              <a:t>2017/5/9</a:t>
+              <a:t>2017/5/15</a:t>
             </a:fld>
             <a:endParaRPr lang="zh-TW" altLang="en-US"/>
           </a:p>
@@ -688,7 +689,7 @@
           <a:p>
             <a:fld id="{28DAA045-4540-44C0-BB87-F5B0427377A2}" type="datetimeFigureOut">
               <a:rPr lang="zh-TW" altLang="en-US" smtClean="0"/>
-              <a:t>2017/5/9</a:t>
+              <a:t>2017/5/15</a:t>
             </a:fld>
             <a:endParaRPr lang="zh-TW" altLang="en-US"/>
           </a:p>
@@ -1089,7 +1090,7 @@
           <a:p>
             <a:fld id="{28DAA045-4540-44C0-BB87-F5B0427377A2}" type="datetimeFigureOut">
               <a:rPr lang="zh-TW" altLang="en-US" smtClean="0"/>
-              <a:t>2017/5/9</a:t>
+              <a:t>2017/5/15</a:t>
             </a:fld>
             <a:endParaRPr lang="zh-TW" altLang="en-US"/>
           </a:p>
@@ -1425,7 +1426,7 @@
           <a:p>
             <a:fld id="{28DAA045-4540-44C0-BB87-F5B0427377A2}" type="datetimeFigureOut">
               <a:rPr lang="zh-TW" altLang="en-US" smtClean="0"/>
-              <a:t>2017/5/9</a:t>
+              <a:t>2017/5/15</a:t>
             </a:fld>
             <a:endParaRPr lang="zh-TW" altLang="en-US"/>
           </a:p>
@@ -1745,7 +1746,7 @@
           <a:p>
             <a:fld id="{28DAA045-4540-44C0-BB87-F5B0427377A2}" type="datetimeFigureOut">
               <a:rPr lang="zh-TW" altLang="en-US" smtClean="0"/>
-              <a:t>2017/5/9</a:t>
+              <a:t>2017/5/15</a:t>
             </a:fld>
             <a:endParaRPr lang="zh-TW" altLang="en-US"/>
           </a:p>
@@ -2141,7 +2142,7 @@
           <a:p>
             <a:fld id="{28DAA045-4540-44C0-BB87-F5B0427377A2}" type="datetimeFigureOut">
               <a:rPr lang="zh-TW" altLang="en-US" smtClean="0"/>
-              <a:t>2017/5/9</a:t>
+              <a:t>2017/5/15</a:t>
             </a:fld>
             <a:endParaRPr lang="zh-TW" altLang="en-US"/>
           </a:p>
@@ -2398,7 +2399,7 @@
           <a:p>
             <a:fld id="{28DAA045-4540-44C0-BB87-F5B0427377A2}" type="datetimeFigureOut">
               <a:rPr lang="zh-TW" altLang="en-US" smtClean="0"/>
-              <a:t>2017/5/9</a:t>
+              <a:t>2017/5/15</a:t>
             </a:fld>
             <a:endParaRPr lang="zh-TW" altLang="en-US"/>
           </a:p>
@@ -2660,7 +2661,7 @@
           <a:p>
             <a:fld id="{28DAA045-4540-44C0-BB87-F5B0427377A2}" type="datetimeFigureOut">
               <a:rPr lang="zh-TW" altLang="en-US" smtClean="0"/>
-              <a:t>2017/5/9</a:t>
+              <a:t>2017/5/15</a:t>
             </a:fld>
             <a:endParaRPr lang="zh-TW" altLang="en-US"/>
           </a:p>
@@ -2922,7 +2923,7 @@
           <a:p>
             <a:fld id="{28DAA045-4540-44C0-BB87-F5B0427377A2}" type="datetimeFigureOut">
               <a:rPr lang="zh-TW" altLang="en-US" smtClean="0"/>
-              <a:t>2017/5/9</a:t>
+              <a:t>2017/5/15</a:t>
             </a:fld>
             <a:endParaRPr lang="zh-TW" altLang="en-US"/>
           </a:p>
@@ -3251,7 +3252,7 @@
           <a:p>
             <a:fld id="{28DAA045-4540-44C0-BB87-F5B0427377A2}" type="datetimeFigureOut">
               <a:rPr lang="zh-TW" altLang="en-US" smtClean="0"/>
-              <a:t>2017/5/9</a:t>
+              <a:t>2017/5/15</a:t>
             </a:fld>
             <a:endParaRPr lang="zh-TW" altLang="en-US"/>
           </a:p>
@@ -3574,7 +3575,7 @@
           <a:p>
             <a:fld id="{28DAA045-4540-44C0-BB87-F5B0427377A2}" type="datetimeFigureOut">
               <a:rPr lang="zh-TW" altLang="en-US" smtClean="0"/>
-              <a:t>2017/5/9</a:t>
+              <a:t>2017/5/15</a:t>
             </a:fld>
             <a:endParaRPr lang="zh-TW" altLang="en-US"/>
           </a:p>
@@ -4031,7 +4032,7 @@
           <a:p>
             <a:fld id="{28DAA045-4540-44C0-BB87-F5B0427377A2}" type="datetimeFigureOut">
               <a:rPr lang="zh-TW" altLang="en-US" smtClean="0"/>
-              <a:t>2017/5/9</a:t>
+              <a:t>2017/5/15</a:t>
             </a:fld>
             <a:endParaRPr lang="zh-TW" altLang="en-US"/>
           </a:p>
@@ -4236,7 +4237,7 @@
           <a:p>
             <a:fld id="{28DAA045-4540-44C0-BB87-F5B0427377A2}" type="datetimeFigureOut">
               <a:rPr lang="zh-TW" altLang="en-US" smtClean="0"/>
-              <a:t>2017/5/9</a:t>
+              <a:t>2017/5/15</a:t>
             </a:fld>
             <a:endParaRPr lang="zh-TW" altLang="en-US"/>
           </a:p>
@@ -4413,7 +4414,7 @@
           <a:p>
             <a:fld id="{28DAA045-4540-44C0-BB87-F5B0427377A2}" type="datetimeFigureOut">
               <a:rPr lang="zh-TW" altLang="en-US" smtClean="0"/>
-              <a:t>2017/5/9</a:t>
+              <a:t>2017/5/15</a:t>
             </a:fld>
             <a:endParaRPr lang="zh-TW" altLang="en-US"/>
           </a:p>
@@ -4746,7 +4747,7 @@
           <a:p>
             <a:fld id="{28DAA045-4540-44C0-BB87-F5B0427377A2}" type="datetimeFigureOut">
               <a:rPr lang="zh-TW" altLang="en-US" smtClean="0"/>
-              <a:t>2017/5/9</a:t>
+              <a:t>2017/5/15</a:t>
             </a:fld>
             <a:endParaRPr lang="zh-TW" altLang="en-US"/>
           </a:p>
@@ -5091,7 +5092,7 @@
           <a:p>
             <a:fld id="{28DAA045-4540-44C0-BB87-F5B0427377A2}" type="datetimeFigureOut">
               <a:rPr lang="zh-TW" altLang="en-US" smtClean="0"/>
-              <a:t>2017/5/9</a:t>
+              <a:t>2017/5/15</a:t>
             </a:fld>
             <a:endParaRPr lang="zh-TW" altLang="en-US"/>
           </a:p>
@@ -7208,7 +7209,7 @@
           <a:p>
             <a:fld id="{28DAA045-4540-44C0-BB87-F5B0427377A2}" type="datetimeFigureOut">
               <a:rPr lang="zh-TW" altLang="en-US" smtClean="0"/>
-              <a:t>2017/5/9</a:t>
+              <a:t>2017/5/15</a:t>
             </a:fld>
             <a:endParaRPr lang="zh-TW" altLang="en-US"/>
           </a:p>
@@ -9818,6 +9819,105 @@
             <p:ph type="title"/>
           </p:nvPr>
         </p:nvSpPr>
+        <p:spPr/>
+        <p:txBody>
+          <a:bodyPr/>
+          <a:lstStyle/>
+          <a:p>
+            <a:endParaRPr lang="zh-TW" altLang="en-US"/>
+          </a:p>
+        </p:txBody>
+      </p:sp>
+      <p:sp>
+        <p:nvSpPr>
+          <p:cNvPr id="3" name="內容版面配置區 2"/>
+          <p:cNvSpPr>
+            <a:spLocks noGrp="1"/>
+          </p:cNvSpPr>
+          <p:nvPr>
+            <p:ph idx="1"/>
+          </p:nvPr>
+        </p:nvSpPr>
+        <p:spPr/>
+        <p:txBody>
+          <a:bodyPr/>
+          <a:lstStyle/>
+          <a:p>
+            <a:endParaRPr lang="zh-TW" altLang="en-US"/>
+          </a:p>
+        </p:txBody>
+      </p:sp>
+      <p:pic>
+        <p:nvPicPr>
+          <p:cNvPr id="5" name="圖片 4"/>
+          <p:cNvPicPr>
+            <a:picLocks noChangeAspect="1"/>
+          </p:cNvPicPr>
+          <p:nvPr/>
+        </p:nvPicPr>
+        <p:blipFill>
+          <a:blip r:embed="rId2"/>
+          <a:stretch>
+            <a:fillRect/>
+          </a:stretch>
+        </p:blipFill>
+        <p:spPr>
+          <a:xfrm>
+            <a:off x="2842952" y="0"/>
+            <a:ext cx="6620811" cy="6400362"/>
+          </a:xfrm>
+          <a:prstGeom prst="rect">
+            <a:avLst/>
+          </a:prstGeom>
+        </p:spPr>
+      </p:pic>
+    </p:spTree>
+    <p:extLst>
+      <p:ext uri="{BB962C8B-B14F-4D97-AF65-F5344CB8AC3E}">
+        <p14:creationId xmlns:p14="http://schemas.microsoft.com/office/powerpoint/2010/main" val="2457498206"/>
+      </p:ext>
+    </p:extLst>
+  </p:cSld>
+  <p:clrMapOvr>
+    <a:masterClrMapping/>
+  </p:clrMapOvr>
+  <p:timing>
+    <p:tnLst>
+      <p:par>
+        <p:cTn id="1" dur="indefinite" restart="never" nodeType="tmRoot"/>
+      </p:par>
+    </p:tnLst>
+  </p:timing>
+</p:sld>
+</file>
+
+<file path=ppt/slides/slide27.xml><?xml version="1.0" encoding="utf-8"?>
+<p:sld xmlns:a="http://schemas.openxmlformats.org/drawingml/2006/main" xmlns:r="http://schemas.openxmlformats.org/officeDocument/2006/relationships" xmlns:p="http://schemas.openxmlformats.org/presentationml/2006/main">
+  <p:cSld>
+    <p:spTree>
+      <p:nvGrpSpPr>
+        <p:cNvPr id="1" name=""/>
+        <p:cNvGrpSpPr/>
+        <p:nvPr/>
+      </p:nvGrpSpPr>
+      <p:grpSpPr>
+        <a:xfrm>
+          <a:off x="0" y="0"/>
+          <a:ext cx="0" cy="0"/>
+          <a:chOff x="0" y="0"/>
+          <a:chExt cx="0" cy="0"/>
+        </a:xfrm>
+      </p:grpSpPr>
+      <p:sp>
+        <p:nvSpPr>
+          <p:cNvPr id="2" name="標題 1"/>
+          <p:cNvSpPr>
+            <a:spLocks noGrp="1"/>
+          </p:cNvSpPr>
+          <p:nvPr>
+            <p:ph type="title"/>
+          </p:nvPr>
+        </p:nvSpPr>
         <p:spPr>
           <a:xfrm>
             <a:off x="2044285" y="2741521"/>
@@ -9878,7 +9978,7 @@
 </p:sld>
 </file>
 
-<file path=ppt/slides/slide27.xml><?xml version="1.0" encoding="utf-8"?>
+<file path=ppt/slides/slide28.xml><?xml version="1.0" encoding="utf-8"?>
 <p:sld xmlns:a="http://schemas.openxmlformats.org/drawingml/2006/main" xmlns:r="http://schemas.openxmlformats.org/officeDocument/2006/relationships" xmlns:p="http://schemas.openxmlformats.org/presentationml/2006/main">
   <p:cSld>
     <p:spTree>
@@ -9981,7 +10081,7 @@
 </p:sld>
 </file>
 
-<file path=ppt/slides/slide28.xml><?xml version="1.0" encoding="utf-8"?>
+<file path=ppt/slides/slide29.xml><?xml version="1.0" encoding="utf-8"?>
 <p:sld xmlns:a="http://schemas.openxmlformats.org/drawingml/2006/main" xmlns:r="http://schemas.openxmlformats.org/officeDocument/2006/relationships" xmlns:p="http://schemas.openxmlformats.org/presentationml/2006/main">
   <p:cSld>
     <p:spTree>
@@ -10068,93 +10168,6 @@
     <p:extLst>
       <p:ext uri="{BB962C8B-B14F-4D97-AF65-F5344CB8AC3E}">
         <p14:creationId xmlns:p14="http://schemas.microsoft.com/office/powerpoint/2010/main" val="3006276208"/>
-      </p:ext>
-    </p:extLst>
-  </p:cSld>
-  <p:clrMapOvr>
-    <a:masterClrMapping/>
-  </p:clrMapOvr>
-  <p:timing>
-    <p:tnLst>
-      <p:par>
-        <p:cTn id="1" dur="indefinite" restart="never" nodeType="tmRoot"/>
-      </p:par>
-    </p:tnLst>
-  </p:timing>
-</p:sld>
-</file>
-
-<file path=ppt/slides/slide29.xml><?xml version="1.0" encoding="utf-8"?>
-<p:sld xmlns:a="http://schemas.openxmlformats.org/drawingml/2006/main" xmlns:r="http://schemas.openxmlformats.org/officeDocument/2006/relationships" xmlns:p="http://schemas.openxmlformats.org/presentationml/2006/main">
-  <p:cSld>
-    <p:spTree>
-      <p:nvGrpSpPr>
-        <p:cNvPr id="1" name=""/>
-        <p:cNvGrpSpPr/>
-        <p:nvPr/>
-      </p:nvGrpSpPr>
-      <p:grpSpPr>
-        <a:xfrm>
-          <a:off x="0" y="0"/>
-          <a:ext cx="0" cy="0"/>
-          <a:chOff x="0" y="0"/>
-          <a:chExt cx="0" cy="0"/>
-        </a:xfrm>
-      </p:grpSpPr>
-      <p:sp>
-        <p:nvSpPr>
-          <p:cNvPr id="2" name="標題 1"/>
-          <p:cNvSpPr>
-            <a:spLocks noGrp="1"/>
-          </p:cNvSpPr>
-          <p:nvPr>
-            <p:ph type="title"/>
-          </p:nvPr>
-        </p:nvSpPr>
-        <p:spPr/>
-        <p:txBody>
-          <a:bodyPr/>
-          <a:lstStyle/>
-          <a:p>
-            <a:pPr algn="ctr"/>
-            <a:r>
-              <a:rPr lang="en-US" altLang="zh-TW" dirty="0" smtClean="0"/>
-              <a:t>TOTAL TIME FOR MEMBERS</a:t>
-            </a:r>
-            <a:endParaRPr lang="zh-TW" altLang="en-US" dirty="0"/>
-          </a:p>
-        </p:txBody>
-      </p:sp>
-      <p:pic>
-        <p:nvPicPr>
-          <p:cNvPr id="4" name="內容版面配置區 3"/>
-          <p:cNvPicPr>
-            <a:picLocks noGrp="1" noChangeAspect="1"/>
-          </p:cNvPicPr>
-          <p:nvPr>
-            <p:ph idx="1"/>
-          </p:nvPr>
-        </p:nvPicPr>
-        <p:blipFill>
-          <a:blip r:embed="rId2"/>
-          <a:stretch>
-            <a:fillRect/>
-          </a:stretch>
-        </p:blipFill>
-        <p:spPr>
-          <a:xfrm>
-            <a:off x="2697428" y="1905000"/>
-            <a:ext cx="7349226" cy="4762492"/>
-          </a:xfrm>
-          <a:prstGeom prst="rect">
-            <a:avLst/>
-          </a:prstGeom>
-        </p:spPr>
-      </p:pic>
-    </p:spTree>
-    <p:extLst>
-      <p:ext uri="{BB962C8B-B14F-4D97-AF65-F5344CB8AC3E}">
-        <p14:creationId xmlns:p14="http://schemas.microsoft.com/office/powerpoint/2010/main" val="929864974"/>
       </p:ext>
     </p:extLst>
   </p:cSld>
@@ -10302,6 +10315,93 @@
           <a:p>
             <a:pPr algn="ctr"/>
             <a:r>
+              <a:rPr lang="en-US" altLang="zh-TW" dirty="0" smtClean="0"/>
+              <a:t>TOTAL TIME FOR MEMBERS</a:t>
+            </a:r>
+            <a:endParaRPr lang="zh-TW" altLang="en-US" dirty="0"/>
+          </a:p>
+        </p:txBody>
+      </p:sp>
+      <p:pic>
+        <p:nvPicPr>
+          <p:cNvPr id="4" name="內容版面配置區 3"/>
+          <p:cNvPicPr>
+            <a:picLocks noGrp="1" noChangeAspect="1"/>
+          </p:cNvPicPr>
+          <p:nvPr>
+            <p:ph idx="1"/>
+          </p:nvPr>
+        </p:nvPicPr>
+        <p:blipFill>
+          <a:blip r:embed="rId2"/>
+          <a:stretch>
+            <a:fillRect/>
+          </a:stretch>
+        </p:blipFill>
+        <p:spPr>
+          <a:xfrm>
+            <a:off x="2697428" y="1905000"/>
+            <a:ext cx="7349226" cy="4762492"/>
+          </a:xfrm>
+          <a:prstGeom prst="rect">
+            <a:avLst/>
+          </a:prstGeom>
+        </p:spPr>
+      </p:pic>
+    </p:spTree>
+    <p:extLst>
+      <p:ext uri="{BB962C8B-B14F-4D97-AF65-F5344CB8AC3E}">
+        <p14:creationId xmlns:p14="http://schemas.microsoft.com/office/powerpoint/2010/main" val="929864974"/>
+      </p:ext>
+    </p:extLst>
+  </p:cSld>
+  <p:clrMapOvr>
+    <a:masterClrMapping/>
+  </p:clrMapOvr>
+  <p:timing>
+    <p:tnLst>
+      <p:par>
+        <p:cTn id="1" dur="indefinite" restart="never" nodeType="tmRoot"/>
+      </p:par>
+    </p:tnLst>
+  </p:timing>
+</p:sld>
+</file>
+
+<file path=ppt/slides/slide31.xml><?xml version="1.0" encoding="utf-8"?>
+<p:sld xmlns:a="http://schemas.openxmlformats.org/drawingml/2006/main" xmlns:r="http://schemas.openxmlformats.org/officeDocument/2006/relationships" xmlns:p="http://schemas.openxmlformats.org/presentationml/2006/main">
+  <p:cSld>
+    <p:spTree>
+      <p:nvGrpSpPr>
+        <p:cNvPr id="1" name=""/>
+        <p:cNvGrpSpPr/>
+        <p:nvPr/>
+      </p:nvGrpSpPr>
+      <p:grpSpPr>
+        <a:xfrm>
+          <a:off x="0" y="0"/>
+          <a:ext cx="0" cy="0"/>
+          <a:chOff x="0" y="0"/>
+          <a:chExt cx="0" cy="0"/>
+        </a:xfrm>
+      </p:grpSpPr>
+      <p:sp>
+        <p:nvSpPr>
+          <p:cNvPr id="2" name="標題 1"/>
+          <p:cNvSpPr>
+            <a:spLocks noGrp="1"/>
+          </p:cNvSpPr>
+          <p:nvPr>
+            <p:ph type="title"/>
+          </p:nvPr>
+        </p:nvSpPr>
+        <p:spPr/>
+        <p:txBody>
+          <a:bodyPr/>
+          <a:lstStyle/>
+          <a:p>
+            <a:pPr algn="ctr"/>
+            <a:r>
               <a:rPr lang="en-US" altLang="zh-TW" dirty="0"/>
               <a:t>TOTAL TIME FOR MEMBERS</a:t>
             </a:r>
@@ -10372,7 +10472,7 @@
 </p:sld>
 </file>
 
-<file path=ppt/slides/slide31.xml><?xml version="1.0" encoding="utf-8"?>
+<file path=ppt/slides/slide32.xml><?xml version="1.0" encoding="utf-8"?>
 <p:sld xmlns:a="http://schemas.openxmlformats.org/drawingml/2006/main" xmlns:r="http://schemas.openxmlformats.org/officeDocument/2006/relationships" xmlns:p="http://schemas.openxmlformats.org/presentationml/2006/main">
   <p:cSld>
     <p:spTree>
@@ -10459,7 +10559,7 @@
 </p:sld>
 </file>
 
-<file path=ppt/slides/slide32.xml><?xml version="1.0" encoding="utf-8"?>
+<file path=ppt/slides/slide33.xml><?xml version="1.0" encoding="utf-8"?>
 <p:sld xmlns:a="http://schemas.openxmlformats.org/drawingml/2006/main" xmlns:r="http://schemas.openxmlformats.org/officeDocument/2006/relationships" xmlns:p="http://schemas.openxmlformats.org/presentationml/2006/main">
   <p:cSld>
     <p:spTree>
@@ -10566,7 +10666,7 @@
 </p:sld>
 </file>
 
-<file path=ppt/slides/slide33.xml><?xml version="1.0" encoding="utf-8"?>
+<file path=ppt/slides/slide34.xml><?xml version="1.0" encoding="utf-8"?>
 <p:sld xmlns:a="http://schemas.openxmlformats.org/drawingml/2006/main" xmlns:r="http://schemas.openxmlformats.org/officeDocument/2006/relationships" xmlns:p="http://schemas.openxmlformats.org/presentationml/2006/main">
   <p:cSld>
     <p:spTree>
@@ -10689,7 +10789,7 @@
 </p:sld>
 </file>
 
-<file path=ppt/slides/slide34.xml><?xml version="1.0" encoding="utf-8"?>
+<file path=ppt/slides/slide35.xml><?xml version="1.0" encoding="utf-8"?>
 <p:sld xmlns:a="http://schemas.openxmlformats.org/drawingml/2006/main" xmlns:r="http://schemas.openxmlformats.org/officeDocument/2006/relationships" xmlns:p="http://schemas.openxmlformats.org/presentationml/2006/main">
   <p:cSld>
     <p:spTree>
@@ -10788,7 +10888,7 @@
 </p:sld>
 </file>
 
-<file path=ppt/slides/slide35.xml><?xml version="1.0" encoding="utf-8"?>
+<file path=ppt/slides/slide36.xml><?xml version="1.0" encoding="utf-8"?>
 <p:sld xmlns:a="http://schemas.openxmlformats.org/drawingml/2006/main" xmlns:r="http://schemas.openxmlformats.org/officeDocument/2006/relationships" xmlns:p="http://schemas.openxmlformats.org/presentationml/2006/main">
   <p:cSld>
     <p:spTree>
@@ -10911,7 +11011,7 @@
 </p:sld>
 </file>
 
-<file path=ppt/slides/slide36.xml><?xml version="1.0" encoding="utf-8"?>
+<file path=ppt/slides/slide37.xml><?xml version="1.0" encoding="utf-8"?>
 <p:sld xmlns:a="http://schemas.openxmlformats.org/drawingml/2006/main" xmlns:r="http://schemas.openxmlformats.org/officeDocument/2006/relationships" xmlns:p="http://schemas.openxmlformats.org/presentationml/2006/main">
   <p:cSld>
     <p:spTree>
@@ -11010,7 +11110,7 @@
 </p:sld>
 </file>
 
-<file path=ppt/slides/slide37.xml><?xml version="1.0" encoding="utf-8"?>
+<file path=ppt/slides/slide38.xml><?xml version="1.0" encoding="utf-8"?>
 <p:sld xmlns:a="http://schemas.openxmlformats.org/drawingml/2006/main" xmlns:r="http://schemas.openxmlformats.org/officeDocument/2006/relationships" xmlns:p="http://schemas.openxmlformats.org/presentationml/2006/main">
   <p:cSld>
     <p:spTree>
@@ -11109,7 +11209,7 @@
 </p:sld>
 </file>
 
-<file path=ppt/slides/slide38.xml><?xml version="1.0" encoding="utf-8"?>
+<file path=ppt/slides/slide39.xml><?xml version="1.0" encoding="utf-8"?>
 <p:sld xmlns:a="http://schemas.openxmlformats.org/drawingml/2006/main" xmlns:r="http://schemas.openxmlformats.org/officeDocument/2006/relationships" xmlns:p="http://schemas.openxmlformats.org/presentationml/2006/main">
   <p:cSld>
     <p:spTree>
@@ -11208,7 +11308,86 @@
 </p:sld>
 </file>
 
-<file path=ppt/slides/slide39.xml><?xml version="1.0" encoding="utf-8"?>
+<file path=ppt/slides/slide4.xml><?xml version="1.0" encoding="utf-8"?>
+<p:sld xmlns:a="http://schemas.openxmlformats.org/drawingml/2006/main" xmlns:r="http://schemas.openxmlformats.org/officeDocument/2006/relationships" xmlns:p="http://schemas.openxmlformats.org/presentationml/2006/main">
+  <p:cSld>
+    <p:spTree>
+      <p:nvGrpSpPr>
+        <p:cNvPr id="1" name=""/>
+        <p:cNvGrpSpPr/>
+        <p:nvPr/>
+      </p:nvGrpSpPr>
+      <p:grpSpPr>
+        <a:xfrm>
+          <a:off x="0" y="0"/>
+          <a:ext cx="0" cy="0"/>
+          <a:chOff x="0" y="0"/>
+          <a:chExt cx="0" cy="0"/>
+        </a:xfrm>
+      </p:grpSpPr>
+      <p:sp>
+        <p:nvSpPr>
+          <p:cNvPr id="2" name="標題 1"/>
+          <p:cNvSpPr>
+            <a:spLocks noGrp="1"/>
+          </p:cNvSpPr>
+          <p:nvPr>
+            <p:ph type="title"/>
+          </p:nvPr>
+        </p:nvSpPr>
+        <p:spPr/>
+        <p:txBody>
+          <a:bodyPr/>
+          <a:lstStyle/>
+          <a:p>
+            <a:r>
+              <a:rPr lang="en-US" altLang="zh-TW" dirty="0" smtClean="0"/>
+              <a:t>DEMO</a:t>
+            </a:r>
+            <a:endParaRPr lang="zh-TW" altLang="en-US" dirty="0"/>
+          </a:p>
+        </p:txBody>
+      </p:sp>
+      <p:sp>
+        <p:nvSpPr>
+          <p:cNvPr id="3" name="內容版面配置區 2"/>
+          <p:cNvSpPr>
+            <a:spLocks noGrp="1"/>
+          </p:cNvSpPr>
+          <p:nvPr>
+            <p:ph idx="1"/>
+          </p:nvPr>
+        </p:nvSpPr>
+        <p:spPr/>
+        <p:txBody>
+          <a:bodyPr/>
+          <a:lstStyle/>
+          <a:p>
+            <a:endParaRPr lang="zh-TW" altLang="en-US"/>
+          </a:p>
+        </p:txBody>
+      </p:sp>
+    </p:spTree>
+    <p:extLst>
+      <p:ext uri="{BB962C8B-B14F-4D97-AF65-F5344CB8AC3E}">
+        <p14:creationId xmlns:p14="http://schemas.microsoft.com/office/powerpoint/2010/main" val="2174198436"/>
+      </p:ext>
+    </p:extLst>
+  </p:cSld>
+  <p:clrMapOvr>
+    <a:masterClrMapping/>
+  </p:clrMapOvr>
+  <p:timing>
+    <p:tnLst>
+      <p:par>
+        <p:cTn id="1" dur="indefinite" restart="never" nodeType="tmRoot"/>
+      </p:par>
+    </p:tnLst>
+  </p:timing>
+</p:sld>
+</file>
+
+<file path=ppt/slides/slide40.xml><?xml version="1.0" encoding="utf-8"?>
 <p:sld xmlns:a="http://schemas.openxmlformats.org/drawingml/2006/main" xmlns:r="http://schemas.openxmlformats.org/officeDocument/2006/relationships" xmlns:p="http://schemas.openxmlformats.org/presentationml/2006/main">
   <p:cSld>
     <p:spTree>
@@ -11307,86 +11486,7 @@
 </p:sld>
 </file>
 
-<file path=ppt/slides/slide4.xml><?xml version="1.0" encoding="utf-8"?>
-<p:sld xmlns:a="http://schemas.openxmlformats.org/drawingml/2006/main" xmlns:r="http://schemas.openxmlformats.org/officeDocument/2006/relationships" xmlns:p="http://schemas.openxmlformats.org/presentationml/2006/main">
-  <p:cSld>
-    <p:spTree>
-      <p:nvGrpSpPr>
-        <p:cNvPr id="1" name=""/>
-        <p:cNvGrpSpPr/>
-        <p:nvPr/>
-      </p:nvGrpSpPr>
-      <p:grpSpPr>
-        <a:xfrm>
-          <a:off x="0" y="0"/>
-          <a:ext cx="0" cy="0"/>
-          <a:chOff x="0" y="0"/>
-          <a:chExt cx="0" cy="0"/>
-        </a:xfrm>
-      </p:grpSpPr>
-      <p:sp>
-        <p:nvSpPr>
-          <p:cNvPr id="2" name="標題 1"/>
-          <p:cNvSpPr>
-            <a:spLocks noGrp="1"/>
-          </p:cNvSpPr>
-          <p:nvPr>
-            <p:ph type="title"/>
-          </p:nvPr>
-        </p:nvSpPr>
-        <p:spPr/>
-        <p:txBody>
-          <a:bodyPr/>
-          <a:lstStyle/>
-          <a:p>
-            <a:r>
-              <a:rPr lang="en-US" altLang="zh-TW" dirty="0" smtClean="0"/>
-              <a:t>DEMO</a:t>
-            </a:r>
-            <a:endParaRPr lang="zh-TW" altLang="en-US" dirty="0"/>
-          </a:p>
-        </p:txBody>
-      </p:sp>
-      <p:sp>
-        <p:nvSpPr>
-          <p:cNvPr id="3" name="內容版面配置區 2"/>
-          <p:cNvSpPr>
-            <a:spLocks noGrp="1"/>
-          </p:cNvSpPr>
-          <p:nvPr>
-            <p:ph idx="1"/>
-          </p:nvPr>
-        </p:nvSpPr>
-        <p:spPr/>
-        <p:txBody>
-          <a:bodyPr/>
-          <a:lstStyle/>
-          <a:p>
-            <a:endParaRPr lang="zh-TW" altLang="en-US"/>
-          </a:p>
-        </p:txBody>
-      </p:sp>
-    </p:spTree>
-    <p:extLst>
-      <p:ext uri="{BB962C8B-B14F-4D97-AF65-F5344CB8AC3E}">
-        <p14:creationId xmlns:p14="http://schemas.microsoft.com/office/powerpoint/2010/main" val="2174198436"/>
-      </p:ext>
-    </p:extLst>
-  </p:cSld>
-  <p:clrMapOvr>
-    <a:masterClrMapping/>
-  </p:clrMapOvr>
-  <p:timing>
-    <p:tnLst>
-      <p:par>
-        <p:cTn id="1" dur="indefinite" restart="never" nodeType="tmRoot"/>
-      </p:par>
-    </p:tnLst>
-  </p:timing>
-</p:sld>
-</file>
-
-<file path=ppt/slides/slide40.xml><?xml version="1.0" encoding="utf-8"?>
+<file path=ppt/slides/slide41.xml><?xml version="1.0" encoding="utf-8"?>
 <p:sld xmlns:a="http://schemas.openxmlformats.org/drawingml/2006/main" xmlns:r="http://schemas.openxmlformats.org/officeDocument/2006/relationships" xmlns:p="http://schemas.openxmlformats.org/presentationml/2006/main">
   <p:cSld>
     <p:spTree>
@@ -11509,7 +11609,7 @@
 </p:sld>
 </file>
 
-<file path=ppt/slides/slide41.xml><?xml version="1.0" encoding="utf-8"?>
+<file path=ppt/slides/slide42.xml><?xml version="1.0" encoding="utf-8"?>
 <p:sld xmlns:a="http://schemas.openxmlformats.org/drawingml/2006/main" xmlns:r="http://schemas.openxmlformats.org/officeDocument/2006/relationships" xmlns:p="http://schemas.openxmlformats.org/presentationml/2006/main">
   <p:cSld>
     <p:spTree>
@@ -11608,7 +11708,7 @@
 </p:sld>
 </file>
 
-<file path=ppt/slides/slide42.xml><?xml version="1.0" encoding="utf-8"?>
+<file path=ppt/slides/slide43.xml><?xml version="1.0" encoding="utf-8"?>
 <p:sld xmlns:a="http://schemas.openxmlformats.org/drawingml/2006/main" xmlns:r="http://schemas.openxmlformats.org/officeDocument/2006/relationships" xmlns:p="http://schemas.openxmlformats.org/presentationml/2006/main">
   <p:cSld>
     <p:spTree>
@@ -11707,7 +11807,7 @@
 </p:sld>
 </file>
 
-<file path=ppt/slides/slide43.xml><?xml version="1.0" encoding="utf-8"?>
+<file path=ppt/slides/slide44.xml><?xml version="1.0" encoding="utf-8"?>
 <p:sld xmlns:a="http://schemas.openxmlformats.org/drawingml/2006/main" xmlns:r="http://schemas.openxmlformats.org/officeDocument/2006/relationships" xmlns:p="http://schemas.openxmlformats.org/presentationml/2006/main">
   <p:cSld>
     <p:spTree>
@@ -11806,7 +11906,7 @@
 </p:sld>
 </file>
 
-<file path=ppt/slides/slide44.xml><?xml version="1.0" encoding="utf-8"?>
+<file path=ppt/slides/slide45.xml><?xml version="1.0" encoding="utf-8"?>
 <p:sld xmlns:a="http://schemas.openxmlformats.org/drawingml/2006/main" xmlns:r="http://schemas.openxmlformats.org/officeDocument/2006/relationships" xmlns:p="http://schemas.openxmlformats.org/presentationml/2006/main">
   <p:cSld>
     <p:spTree>
@@ -11905,7 +12005,7 @@
 </p:sld>
 </file>
 
-<file path=ppt/slides/slide45.xml><?xml version="1.0" encoding="utf-8"?>
+<file path=ppt/slides/slide46.xml><?xml version="1.0" encoding="utf-8"?>
 <p:sld xmlns:a="http://schemas.openxmlformats.org/drawingml/2006/main" xmlns:r="http://schemas.openxmlformats.org/officeDocument/2006/relationships" xmlns:p="http://schemas.openxmlformats.org/presentationml/2006/main">
   <p:cSld>
     <p:spTree>
@@ -12004,7 +12104,7 @@
 </p:sld>
 </file>
 
-<file path=ppt/slides/slide46.xml><?xml version="1.0" encoding="utf-8"?>
+<file path=ppt/slides/slide47.xml><?xml version="1.0" encoding="utf-8"?>
 <p:sld xmlns:a="http://schemas.openxmlformats.org/drawingml/2006/main" xmlns:r="http://schemas.openxmlformats.org/officeDocument/2006/relationships" xmlns:p="http://schemas.openxmlformats.org/presentationml/2006/main">
   <p:cSld>
     <p:spTree>
@@ -12103,7 +12203,7 @@
 </p:sld>
 </file>
 
-<file path=ppt/slides/slide47.xml><?xml version="1.0" encoding="utf-8"?>
+<file path=ppt/slides/slide48.xml><?xml version="1.0" encoding="utf-8"?>
 <p:sld xmlns:a="http://schemas.openxmlformats.org/drawingml/2006/main" xmlns:r="http://schemas.openxmlformats.org/officeDocument/2006/relationships" xmlns:p="http://schemas.openxmlformats.org/presentationml/2006/main">
   <p:cSld>
     <p:spTree>
@@ -12207,7 +12307,7 @@
 </p:sld>
 </file>
 
-<file path=ppt/slides/slide48.xml><?xml version="1.0" encoding="utf-8"?>
+<file path=ppt/slides/slide49.xml><?xml version="1.0" encoding="utf-8"?>
 <p:sld xmlns:a="http://schemas.openxmlformats.org/drawingml/2006/main" xmlns:r="http://schemas.openxmlformats.org/officeDocument/2006/relationships" xmlns:p="http://schemas.openxmlformats.org/presentationml/2006/main">
   <p:cSld>
     <p:spTree>
@@ -12319,129 +12419,6 @@
     <p:extLst>
       <p:ext uri="{BB962C8B-B14F-4D97-AF65-F5344CB8AC3E}">
         <p14:creationId xmlns:p14="http://schemas.microsoft.com/office/powerpoint/2010/main" val="3538092848"/>
-      </p:ext>
-    </p:extLst>
-  </p:cSld>
-  <p:clrMapOvr>
-    <a:masterClrMapping/>
-  </p:clrMapOvr>
-  <p:timing>
-    <p:tnLst>
-      <p:par>
-        <p:cTn id="1" dur="indefinite" restart="never" nodeType="tmRoot"/>
-      </p:par>
-    </p:tnLst>
-  </p:timing>
-</p:sld>
-</file>
-
-<file path=ppt/slides/slide49.xml><?xml version="1.0" encoding="utf-8"?>
-<p:sld xmlns:a="http://schemas.openxmlformats.org/drawingml/2006/main" xmlns:r="http://schemas.openxmlformats.org/officeDocument/2006/relationships" xmlns:p="http://schemas.openxmlformats.org/presentationml/2006/main">
-  <p:cSld>
-    <p:spTree>
-      <p:nvGrpSpPr>
-        <p:cNvPr id="1" name=""/>
-        <p:cNvGrpSpPr/>
-        <p:nvPr/>
-      </p:nvGrpSpPr>
-      <p:grpSpPr>
-        <a:xfrm>
-          <a:off x="0" y="0"/>
-          <a:ext cx="0" cy="0"/>
-          <a:chOff x="0" y="0"/>
-          <a:chExt cx="0" cy="0"/>
-        </a:xfrm>
-      </p:grpSpPr>
-      <p:sp>
-        <p:nvSpPr>
-          <p:cNvPr id="2" name="標題 1"/>
-          <p:cNvSpPr>
-            <a:spLocks noGrp="1"/>
-          </p:cNvSpPr>
-          <p:nvPr>
-            <p:ph type="title"/>
-          </p:nvPr>
-        </p:nvSpPr>
-        <p:spPr/>
-        <p:txBody>
-          <a:bodyPr/>
-          <a:lstStyle/>
-          <a:p>
-            <a:endParaRPr lang="zh-TW" altLang="en-US"/>
-          </a:p>
-        </p:txBody>
-      </p:sp>
-      <p:sp>
-        <p:nvSpPr>
-          <p:cNvPr id="3" name="內容版面配置區 2"/>
-          <p:cNvSpPr>
-            <a:spLocks noGrp="1"/>
-          </p:cNvSpPr>
-          <p:nvPr>
-            <p:ph idx="1"/>
-          </p:nvPr>
-        </p:nvSpPr>
-        <p:spPr/>
-        <p:txBody>
-          <a:bodyPr/>
-          <a:lstStyle/>
-          <a:p>
-            <a:endParaRPr lang="zh-TW" altLang="en-US"/>
-          </a:p>
-        </p:txBody>
-      </p:sp>
-      <p:pic>
-        <p:nvPicPr>
-          <p:cNvPr id="4" name="圖片 3"/>
-          <p:cNvPicPr>
-            <a:picLocks noChangeAspect="1"/>
-          </p:cNvPicPr>
-          <p:nvPr/>
-        </p:nvPicPr>
-        <p:blipFill>
-          <a:blip r:embed="rId2"/>
-          <a:stretch>
-            <a:fillRect/>
-          </a:stretch>
-        </p:blipFill>
-        <p:spPr>
-          <a:xfrm>
-            <a:off x="2589211" y="2133600"/>
-            <a:ext cx="8323809" cy="2619048"/>
-          </a:xfrm>
-          <a:prstGeom prst="rect">
-            <a:avLst/>
-          </a:prstGeom>
-        </p:spPr>
-      </p:pic>
-      <p:pic>
-        <p:nvPicPr>
-          <p:cNvPr id="5" name="圖片 4"/>
-          <p:cNvPicPr>
-            <a:picLocks noChangeAspect="1"/>
-          </p:cNvPicPr>
-          <p:nvPr/>
-        </p:nvPicPr>
-        <p:blipFill>
-          <a:blip r:embed="rId3"/>
-          <a:stretch>
-            <a:fillRect/>
-          </a:stretch>
-        </p:blipFill>
-        <p:spPr>
-          <a:xfrm>
-            <a:off x="2589212" y="4752648"/>
-            <a:ext cx="8323809" cy="1752381"/>
-          </a:xfrm>
-          <a:prstGeom prst="rect">
-            <a:avLst/>
-          </a:prstGeom>
-        </p:spPr>
-      </p:pic>
-    </p:spTree>
-    <p:extLst>
-      <p:ext uri="{BB962C8B-B14F-4D97-AF65-F5344CB8AC3E}">
-        <p14:creationId xmlns:p14="http://schemas.microsoft.com/office/powerpoint/2010/main" val="1913800973"/>
       </p:ext>
     </p:extLst>
   </p:cSld>
@@ -12834,6 +12811,129 @@
         </p:blipFill>
         <p:spPr>
           <a:xfrm>
+            <a:off x="2589211" y="2133600"/>
+            <a:ext cx="8323809" cy="2619048"/>
+          </a:xfrm>
+          <a:prstGeom prst="rect">
+            <a:avLst/>
+          </a:prstGeom>
+        </p:spPr>
+      </p:pic>
+      <p:pic>
+        <p:nvPicPr>
+          <p:cNvPr id="5" name="圖片 4"/>
+          <p:cNvPicPr>
+            <a:picLocks noChangeAspect="1"/>
+          </p:cNvPicPr>
+          <p:nvPr/>
+        </p:nvPicPr>
+        <p:blipFill>
+          <a:blip r:embed="rId3"/>
+          <a:stretch>
+            <a:fillRect/>
+          </a:stretch>
+        </p:blipFill>
+        <p:spPr>
+          <a:xfrm>
+            <a:off x="2589212" y="4752648"/>
+            <a:ext cx="8323809" cy="1752381"/>
+          </a:xfrm>
+          <a:prstGeom prst="rect">
+            <a:avLst/>
+          </a:prstGeom>
+        </p:spPr>
+      </p:pic>
+    </p:spTree>
+    <p:extLst>
+      <p:ext uri="{BB962C8B-B14F-4D97-AF65-F5344CB8AC3E}">
+        <p14:creationId xmlns:p14="http://schemas.microsoft.com/office/powerpoint/2010/main" val="1913800973"/>
+      </p:ext>
+    </p:extLst>
+  </p:cSld>
+  <p:clrMapOvr>
+    <a:masterClrMapping/>
+  </p:clrMapOvr>
+  <p:timing>
+    <p:tnLst>
+      <p:par>
+        <p:cTn id="1" dur="indefinite" restart="never" nodeType="tmRoot"/>
+      </p:par>
+    </p:tnLst>
+  </p:timing>
+</p:sld>
+</file>
+
+<file path=ppt/slides/slide51.xml><?xml version="1.0" encoding="utf-8"?>
+<p:sld xmlns:a="http://schemas.openxmlformats.org/drawingml/2006/main" xmlns:r="http://schemas.openxmlformats.org/officeDocument/2006/relationships" xmlns:p="http://schemas.openxmlformats.org/presentationml/2006/main">
+  <p:cSld>
+    <p:spTree>
+      <p:nvGrpSpPr>
+        <p:cNvPr id="1" name=""/>
+        <p:cNvGrpSpPr/>
+        <p:nvPr/>
+      </p:nvGrpSpPr>
+      <p:grpSpPr>
+        <a:xfrm>
+          <a:off x="0" y="0"/>
+          <a:ext cx="0" cy="0"/>
+          <a:chOff x="0" y="0"/>
+          <a:chExt cx="0" cy="0"/>
+        </a:xfrm>
+      </p:grpSpPr>
+      <p:sp>
+        <p:nvSpPr>
+          <p:cNvPr id="2" name="標題 1"/>
+          <p:cNvSpPr>
+            <a:spLocks noGrp="1"/>
+          </p:cNvSpPr>
+          <p:nvPr>
+            <p:ph type="title"/>
+          </p:nvPr>
+        </p:nvSpPr>
+        <p:spPr/>
+        <p:txBody>
+          <a:bodyPr/>
+          <a:lstStyle/>
+          <a:p>
+            <a:endParaRPr lang="zh-TW" altLang="en-US"/>
+          </a:p>
+        </p:txBody>
+      </p:sp>
+      <p:sp>
+        <p:nvSpPr>
+          <p:cNvPr id="3" name="內容版面配置區 2"/>
+          <p:cNvSpPr>
+            <a:spLocks noGrp="1"/>
+          </p:cNvSpPr>
+          <p:nvPr>
+            <p:ph idx="1"/>
+          </p:nvPr>
+        </p:nvSpPr>
+        <p:spPr/>
+        <p:txBody>
+          <a:bodyPr/>
+          <a:lstStyle/>
+          <a:p>
+            <a:endParaRPr lang="zh-TW" altLang="en-US"/>
+          </a:p>
+        </p:txBody>
+      </p:sp>
+      <p:pic>
+        <p:nvPicPr>
+          <p:cNvPr id="4" name="圖片 3"/>
+          <p:cNvPicPr>
+            <a:picLocks noChangeAspect="1"/>
+          </p:cNvPicPr>
+          <p:nvPr/>
+        </p:nvPicPr>
+        <p:blipFill>
+          <a:blip r:embed="rId2"/>
+          <a:stretch>
+            <a:fillRect/>
+          </a:stretch>
+        </p:blipFill>
+        <p:spPr>
+          <a:xfrm>
             <a:off x="2589212" y="2133600"/>
             <a:ext cx="8257143" cy="1742857"/>
           </a:xfrm>
@@ -12886,7 +12986,7 @@
 </p:sld>
 </file>
 
-<file path=ppt/slides/slide51.xml><?xml version="1.0" encoding="utf-8"?>
+<file path=ppt/slides/slide52.xml><?xml version="1.0" encoding="utf-8"?>
 <p:sld xmlns:a="http://schemas.openxmlformats.org/drawingml/2006/main" xmlns:r="http://schemas.openxmlformats.org/officeDocument/2006/relationships" xmlns:p="http://schemas.openxmlformats.org/presentationml/2006/main">
   <p:cSld>
     <p:spTree>

--- a/document/OOAD_Midterm_demo.pptx
+++ b/document/OOAD_Midterm_demo.pptx
@@ -22,41 +22,40 @@
     <p:sldId id="267" r:id="rId16"/>
     <p:sldId id="269" r:id="rId17"/>
     <p:sldId id="270" r:id="rId18"/>
-    <p:sldId id="271" r:id="rId19"/>
-    <p:sldId id="272" r:id="rId20"/>
-    <p:sldId id="268" r:id="rId21"/>
-    <p:sldId id="276" r:id="rId22"/>
-    <p:sldId id="273" r:id="rId23"/>
-    <p:sldId id="274" r:id="rId24"/>
-    <p:sldId id="275" r:id="rId25"/>
-    <p:sldId id="277" r:id="rId26"/>
-    <p:sldId id="308" r:id="rId27"/>
-    <p:sldId id="278" r:id="rId28"/>
-    <p:sldId id="279" r:id="rId29"/>
-    <p:sldId id="280" r:id="rId30"/>
-    <p:sldId id="282" r:id="rId31"/>
-    <p:sldId id="286" r:id="rId32"/>
-    <p:sldId id="287" r:id="rId33"/>
-    <p:sldId id="283" r:id="rId34"/>
-    <p:sldId id="288" r:id="rId35"/>
-    <p:sldId id="289" r:id="rId36"/>
-    <p:sldId id="290" r:id="rId37"/>
-    <p:sldId id="291" r:id="rId38"/>
-    <p:sldId id="292" r:id="rId39"/>
-    <p:sldId id="293" r:id="rId40"/>
-    <p:sldId id="294" r:id="rId41"/>
-    <p:sldId id="295" r:id="rId42"/>
-    <p:sldId id="296" r:id="rId43"/>
-    <p:sldId id="297" r:id="rId44"/>
-    <p:sldId id="298" r:id="rId45"/>
-    <p:sldId id="299" r:id="rId46"/>
-    <p:sldId id="300" r:id="rId47"/>
-    <p:sldId id="301" r:id="rId48"/>
-    <p:sldId id="284" r:id="rId49"/>
-    <p:sldId id="285" r:id="rId50"/>
-    <p:sldId id="302" r:id="rId51"/>
-    <p:sldId id="303" r:id="rId52"/>
-    <p:sldId id="307" r:id="rId53"/>
+    <p:sldId id="272" r:id="rId19"/>
+    <p:sldId id="268" r:id="rId20"/>
+    <p:sldId id="276" r:id="rId21"/>
+    <p:sldId id="273" r:id="rId22"/>
+    <p:sldId id="274" r:id="rId23"/>
+    <p:sldId id="275" r:id="rId24"/>
+    <p:sldId id="277" r:id="rId25"/>
+    <p:sldId id="308" r:id="rId26"/>
+    <p:sldId id="278" r:id="rId27"/>
+    <p:sldId id="279" r:id="rId28"/>
+    <p:sldId id="280" r:id="rId29"/>
+    <p:sldId id="282" r:id="rId30"/>
+    <p:sldId id="286" r:id="rId31"/>
+    <p:sldId id="287" r:id="rId32"/>
+    <p:sldId id="283" r:id="rId33"/>
+    <p:sldId id="288" r:id="rId34"/>
+    <p:sldId id="289" r:id="rId35"/>
+    <p:sldId id="290" r:id="rId36"/>
+    <p:sldId id="291" r:id="rId37"/>
+    <p:sldId id="292" r:id="rId38"/>
+    <p:sldId id="293" r:id="rId39"/>
+    <p:sldId id="294" r:id="rId40"/>
+    <p:sldId id="295" r:id="rId41"/>
+    <p:sldId id="296" r:id="rId42"/>
+    <p:sldId id="297" r:id="rId43"/>
+    <p:sldId id="298" r:id="rId44"/>
+    <p:sldId id="299" r:id="rId45"/>
+    <p:sldId id="300" r:id="rId46"/>
+    <p:sldId id="301" r:id="rId47"/>
+    <p:sldId id="284" r:id="rId48"/>
+    <p:sldId id="285" r:id="rId49"/>
+    <p:sldId id="302" r:id="rId50"/>
+    <p:sldId id="303" r:id="rId51"/>
+    <p:sldId id="307" r:id="rId52"/>
   </p:sldIdLst>
   <p:sldSz cx="12192000" cy="6858000"/>
   <p:notesSz cx="6858000" cy="9144000"/>
@@ -8409,8 +8408,10 @@
       </p:sp>
       <p:pic>
         <p:nvPicPr>
-          <p:cNvPr id="5" name="圖片 4"/>
-          <p:cNvPicPr/>
+          <p:cNvPr id="4" name="圖片 3"/>
+          <p:cNvPicPr>
+            <a:picLocks noChangeAspect="1"/>
+          </p:cNvPicPr>
           <p:nvPr/>
         </p:nvPicPr>
         <p:blipFill>
@@ -8421,8 +8422,8 @@
         </p:blipFill>
         <p:spPr>
           <a:xfrm>
-            <a:off x="1123407" y="0"/>
-            <a:ext cx="10010796" cy="6696710"/>
+            <a:off x="1757877" y="765427"/>
+            <a:ext cx="9482915" cy="5407825"/>
           </a:xfrm>
           <a:prstGeom prst="rect">
             <a:avLst/>
@@ -8433,6 +8434,532 @@
     <p:extLst>
       <p:ext uri="{BB962C8B-B14F-4D97-AF65-F5344CB8AC3E}">
         <p14:creationId xmlns:p14="http://schemas.microsoft.com/office/powerpoint/2010/main" val="1301125774"/>
+      </p:ext>
+    </p:extLst>
+  </p:cSld>
+  <p:clrMapOvr>
+    <a:masterClrMapping/>
+  </p:clrMapOvr>
+  <p:timing>
+    <p:tnLst>
+      <p:par>
+        <p:cTn id="1" dur="indefinite" restart="never" nodeType="tmRoot">
+          <p:childTnLst>
+            <p:seq concurrent="1" nextAc="seek">
+              <p:cTn id="2" dur="indefinite" nodeType="mainSeq">
+                <p:childTnLst>
+                  <p:par>
+                    <p:cTn id="3" fill="hold">
+                      <p:stCondLst>
+                        <p:cond delay="indefinite"/>
+                      </p:stCondLst>
+                      <p:childTnLst>
+                        <p:par>
+                          <p:cTn id="4" fill="hold">
+                            <p:stCondLst>
+                              <p:cond delay="0"/>
+                            </p:stCondLst>
+                            <p:childTnLst>
+                              <p:par>
+                                <p:cTn id="5" presetID="2" presetClass="entr" presetSubtype="4" fill="hold" nodeType="clickEffect">
+                                  <p:stCondLst>
+                                    <p:cond delay="0"/>
+                                  </p:stCondLst>
+                                  <p:childTnLst>
+                                    <p:set>
+                                      <p:cBhvr>
+                                        <p:cTn id="6" dur="1" fill="hold">
+                                          <p:stCondLst>
+                                            <p:cond delay="0"/>
+                                          </p:stCondLst>
+                                        </p:cTn>
+                                        <p:tgtEl>
+                                          <p:spTgt spid="4"/>
+                                        </p:tgtEl>
+                                        <p:attrNameLst>
+                                          <p:attrName>style.visibility</p:attrName>
+                                        </p:attrNameLst>
+                                      </p:cBhvr>
+                                      <p:to>
+                                        <p:strVal val="visible"/>
+                                      </p:to>
+                                    </p:set>
+                                    <p:anim calcmode="lin" valueType="num">
+                                      <p:cBhvr additive="base">
+                                        <p:cTn id="7" dur="500" fill="hold"/>
+                                        <p:tgtEl>
+                                          <p:spTgt spid="4"/>
+                                        </p:tgtEl>
+                                        <p:attrNameLst>
+                                          <p:attrName>ppt_x</p:attrName>
+                                        </p:attrNameLst>
+                                      </p:cBhvr>
+                                      <p:tavLst>
+                                        <p:tav tm="0">
+                                          <p:val>
+                                            <p:strVal val="#ppt_x"/>
+                                          </p:val>
+                                        </p:tav>
+                                        <p:tav tm="100000">
+                                          <p:val>
+                                            <p:strVal val="#ppt_x"/>
+                                          </p:val>
+                                        </p:tav>
+                                      </p:tavLst>
+                                    </p:anim>
+                                    <p:anim calcmode="lin" valueType="num">
+                                      <p:cBhvr additive="base">
+                                        <p:cTn id="8" dur="500" fill="hold"/>
+                                        <p:tgtEl>
+                                          <p:spTgt spid="4"/>
+                                        </p:tgtEl>
+                                        <p:attrNameLst>
+                                          <p:attrName>ppt_y</p:attrName>
+                                        </p:attrNameLst>
+                                      </p:cBhvr>
+                                      <p:tavLst>
+                                        <p:tav tm="0">
+                                          <p:val>
+                                            <p:strVal val="1+#ppt_h/2"/>
+                                          </p:val>
+                                        </p:tav>
+                                        <p:tav tm="100000">
+                                          <p:val>
+                                            <p:strVal val="#ppt_y"/>
+                                          </p:val>
+                                        </p:tav>
+                                      </p:tavLst>
+                                    </p:anim>
+                                  </p:childTnLst>
+                                </p:cTn>
+                              </p:par>
+                            </p:childTnLst>
+                          </p:cTn>
+                        </p:par>
+                      </p:childTnLst>
+                    </p:cTn>
+                  </p:par>
+                </p:childTnLst>
+              </p:cTn>
+              <p:prevCondLst>
+                <p:cond evt="onPrev" delay="0">
+                  <p:tgtEl>
+                    <p:sldTgt/>
+                  </p:tgtEl>
+                </p:cond>
+              </p:prevCondLst>
+              <p:nextCondLst>
+                <p:cond evt="onNext" delay="0">
+                  <p:tgtEl>
+                    <p:sldTgt/>
+                  </p:tgtEl>
+                </p:cond>
+              </p:nextCondLst>
+            </p:seq>
+          </p:childTnLst>
+        </p:cTn>
+      </p:par>
+    </p:tnLst>
+  </p:timing>
+</p:sld>
+</file>
+
+<file path=ppt/slides/slide16.xml><?xml version="1.0" encoding="utf-8"?>
+<p:sld xmlns:a="http://schemas.openxmlformats.org/drawingml/2006/main" xmlns:r="http://schemas.openxmlformats.org/officeDocument/2006/relationships" xmlns:p="http://schemas.openxmlformats.org/presentationml/2006/main">
+  <p:cSld>
+    <p:spTree>
+      <p:nvGrpSpPr>
+        <p:cNvPr id="1" name=""/>
+        <p:cNvGrpSpPr/>
+        <p:nvPr/>
+      </p:nvGrpSpPr>
+      <p:grpSpPr>
+        <a:xfrm>
+          <a:off x="0" y="0"/>
+          <a:ext cx="0" cy="0"/>
+          <a:chOff x="0" y="0"/>
+          <a:chExt cx="0" cy="0"/>
+        </a:xfrm>
+      </p:grpSpPr>
+      <p:sp>
+        <p:nvSpPr>
+          <p:cNvPr id="2" name="標題 1"/>
+          <p:cNvSpPr>
+            <a:spLocks noGrp="1"/>
+          </p:cNvSpPr>
+          <p:nvPr>
+            <p:ph type="title"/>
+          </p:nvPr>
+        </p:nvSpPr>
+        <p:spPr/>
+        <p:txBody>
+          <a:bodyPr/>
+          <a:lstStyle/>
+          <a:p>
+            <a:endParaRPr lang="zh-TW" altLang="en-US"/>
+          </a:p>
+        </p:txBody>
+      </p:sp>
+      <p:sp>
+        <p:nvSpPr>
+          <p:cNvPr id="3" name="內容版面配置區 2"/>
+          <p:cNvSpPr>
+            <a:spLocks noGrp="1"/>
+          </p:cNvSpPr>
+          <p:nvPr>
+            <p:ph idx="1"/>
+          </p:nvPr>
+        </p:nvSpPr>
+        <p:spPr/>
+        <p:txBody>
+          <a:bodyPr/>
+          <a:lstStyle/>
+          <a:p>
+            <a:endParaRPr lang="zh-TW" altLang="en-US"/>
+          </a:p>
+        </p:txBody>
+      </p:sp>
+      <p:pic>
+        <p:nvPicPr>
+          <p:cNvPr id="6" name="圖片 5"/>
+          <p:cNvPicPr>
+            <a:picLocks noChangeAspect="1"/>
+          </p:cNvPicPr>
+          <p:nvPr/>
+        </p:nvPicPr>
+        <p:blipFill>
+          <a:blip r:embed="rId2"/>
+          <a:stretch>
+            <a:fillRect/>
+          </a:stretch>
+        </p:blipFill>
+        <p:spPr>
+          <a:xfrm>
+            <a:off x="1541601" y="2133600"/>
+            <a:ext cx="9963011" cy="4178886"/>
+          </a:xfrm>
+          <a:prstGeom prst="rect">
+            <a:avLst/>
+          </a:prstGeom>
+        </p:spPr>
+      </p:pic>
+    </p:spTree>
+    <p:extLst>
+      <p:ext uri="{BB962C8B-B14F-4D97-AF65-F5344CB8AC3E}">
+        <p14:creationId xmlns:p14="http://schemas.microsoft.com/office/powerpoint/2010/main" val="2498107104"/>
+      </p:ext>
+    </p:extLst>
+  </p:cSld>
+  <p:clrMapOvr>
+    <a:masterClrMapping/>
+  </p:clrMapOvr>
+  <p:timing>
+    <p:tnLst>
+      <p:par>
+        <p:cTn id="1" dur="indefinite" restart="never" nodeType="tmRoot"/>
+      </p:par>
+    </p:tnLst>
+  </p:timing>
+</p:sld>
+</file>
+
+<file path=ppt/slides/slide17.xml><?xml version="1.0" encoding="utf-8"?>
+<p:sld xmlns:a="http://schemas.openxmlformats.org/drawingml/2006/main" xmlns:r="http://schemas.openxmlformats.org/officeDocument/2006/relationships" xmlns:p="http://schemas.openxmlformats.org/presentationml/2006/main">
+  <p:cSld>
+    <p:spTree>
+      <p:nvGrpSpPr>
+        <p:cNvPr id="1" name=""/>
+        <p:cNvGrpSpPr/>
+        <p:nvPr/>
+      </p:nvGrpSpPr>
+      <p:grpSpPr>
+        <a:xfrm>
+          <a:off x="0" y="0"/>
+          <a:ext cx="0" cy="0"/>
+          <a:chOff x="0" y="0"/>
+          <a:chExt cx="0" cy="0"/>
+        </a:xfrm>
+      </p:grpSpPr>
+      <p:sp>
+        <p:nvSpPr>
+          <p:cNvPr id="2" name="標題 1"/>
+          <p:cNvSpPr>
+            <a:spLocks noGrp="1"/>
+          </p:cNvSpPr>
+          <p:nvPr>
+            <p:ph type="title"/>
+          </p:nvPr>
+        </p:nvSpPr>
+        <p:spPr/>
+        <p:txBody>
+          <a:bodyPr/>
+          <a:lstStyle/>
+          <a:p>
+            <a:endParaRPr lang="zh-TW" altLang="en-US"/>
+          </a:p>
+        </p:txBody>
+      </p:sp>
+      <p:sp>
+        <p:nvSpPr>
+          <p:cNvPr id="3" name="內容版面配置區 2"/>
+          <p:cNvSpPr>
+            <a:spLocks noGrp="1"/>
+          </p:cNvSpPr>
+          <p:nvPr>
+            <p:ph idx="1"/>
+          </p:nvPr>
+        </p:nvSpPr>
+        <p:spPr/>
+        <p:txBody>
+          <a:bodyPr/>
+          <a:lstStyle/>
+          <a:p>
+            <a:endParaRPr lang="zh-TW" altLang="en-US"/>
+          </a:p>
+        </p:txBody>
+      </p:sp>
+      <p:pic>
+        <p:nvPicPr>
+          <p:cNvPr id="9" name="圖片 8"/>
+          <p:cNvPicPr>
+            <a:picLocks noChangeAspect="1"/>
+          </p:cNvPicPr>
+          <p:nvPr/>
+        </p:nvPicPr>
+        <p:blipFill>
+          <a:blip r:embed="rId2"/>
+          <a:stretch>
+            <a:fillRect/>
+          </a:stretch>
+        </p:blipFill>
+        <p:spPr>
+          <a:xfrm>
+            <a:off x="448734" y="1905000"/>
+            <a:ext cx="11551571" cy="4631612"/>
+          </a:xfrm>
+          <a:prstGeom prst="rect">
+            <a:avLst/>
+          </a:prstGeom>
+        </p:spPr>
+      </p:pic>
+    </p:spTree>
+    <p:extLst>
+      <p:ext uri="{BB962C8B-B14F-4D97-AF65-F5344CB8AC3E}">
+        <p14:creationId xmlns:p14="http://schemas.microsoft.com/office/powerpoint/2010/main" val="905849710"/>
+      </p:ext>
+    </p:extLst>
+  </p:cSld>
+  <p:clrMapOvr>
+    <a:masterClrMapping/>
+  </p:clrMapOvr>
+  <p:timing>
+    <p:tnLst>
+      <p:par>
+        <p:cTn id="1" dur="indefinite" restart="never" nodeType="tmRoot"/>
+      </p:par>
+    </p:tnLst>
+  </p:timing>
+</p:sld>
+</file>
+
+<file path=ppt/slides/slide18.xml><?xml version="1.0" encoding="utf-8"?>
+<p:sld xmlns:a="http://schemas.openxmlformats.org/drawingml/2006/main" xmlns:r="http://schemas.openxmlformats.org/officeDocument/2006/relationships" xmlns:p="http://schemas.openxmlformats.org/presentationml/2006/main">
+  <p:cSld>
+    <p:spTree>
+      <p:nvGrpSpPr>
+        <p:cNvPr id="1" name=""/>
+        <p:cNvGrpSpPr/>
+        <p:nvPr/>
+      </p:nvGrpSpPr>
+      <p:grpSpPr>
+        <a:xfrm>
+          <a:off x="0" y="0"/>
+          <a:ext cx="0" cy="0"/>
+          <a:chOff x="0" y="0"/>
+          <a:chExt cx="0" cy="0"/>
+        </a:xfrm>
+      </p:grpSpPr>
+      <p:sp>
+        <p:nvSpPr>
+          <p:cNvPr id="2" name="標題 1"/>
+          <p:cNvSpPr>
+            <a:spLocks noGrp="1"/>
+          </p:cNvSpPr>
+          <p:nvPr>
+            <p:ph type="title"/>
+          </p:nvPr>
+        </p:nvSpPr>
+        <p:spPr/>
+        <p:txBody>
+          <a:bodyPr/>
+          <a:lstStyle/>
+          <a:p>
+            <a:endParaRPr lang="zh-TW" altLang="en-US"/>
+          </a:p>
+        </p:txBody>
+      </p:sp>
+      <p:sp>
+        <p:nvSpPr>
+          <p:cNvPr id="3" name="內容版面配置區 2"/>
+          <p:cNvSpPr>
+            <a:spLocks noGrp="1"/>
+          </p:cNvSpPr>
+          <p:nvPr>
+            <p:ph idx="1"/>
+          </p:nvPr>
+        </p:nvSpPr>
+        <p:spPr/>
+        <p:txBody>
+          <a:bodyPr/>
+          <a:lstStyle/>
+          <a:p>
+            <a:endParaRPr lang="zh-TW" altLang="en-US" dirty="0"/>
+          </a:p>
+        </p:txBody>
+      </p:sp>
+      <p:pic>
+        <p:nvPicPr>
+          <p:cNvPr id="8" name="圖片 7"/>
+          <p:cNvPicPr>
+            <a:picLocks noChangeAspect="1"/>
+          </p:cNvPicPr>
+          <p:nvPr/>
+        </p:nvPicPr>
+        <p:blipFill>
+          <a:blip r:embed="rId2"/>
+          <a:stretch>
+            <a:fillRect/>
+          </a:stretch>
+        </p:blipFill>
+        <p:spPr>
+          <a:xfrm>
+            <a:off x="1288472" y="1905000"/>
+            <a:ext cx="10511641" cy="4798174"/>
+          </a:xfrm>
+          <a:prstGeom prst="rect">
+            <a:avLst/>
+          </a:prstGeom>
+        </p:spPr>
+      </p:pic>
+    </p:spTree>
+    <p:extLst>
+      <p:ext uri="{BB962C8B-B14F-4D97-AF65-F5344CB8AC3E}">
+        <p14:creationId xmlns:p14="http://schemas.microsoft.com/office/powerpoint/2010/main" val="4163635729"/>
+      </p:ext>
+    </p:extLst>
+  </p:cSld>
+  <p:clrMapOvr>
+    <a:masterClrMapping/>
+  </p:clrMapOvr>
+  <p:timing>
+    <p:tnLst>
+      <p:par>
+        <p:cTn id="1" dur="indefinite" restart="never" nodeType="tmRoot"/>
+      </p:par>
+    </p:tnLst>
+  </p:timing>
+</p:sld>
+</file>
+
+<file path=ppt/slides/slide19.xml><?xml version="1.0" encoding="utf-8"?>
+<p:sld xmlns:a="http://schemas.openxmlformats.org/drawingml/2006/main" xmlns:r="http://schemas.openxmlformats.org/officeDocument/2006/relationships" xmlns:p="http://schemas.openxmlformats.org/presentationml/2006/main">
+  <p:cSld>
+    <p:spTree>
+      <p:nvGrpSpPr>
+        <p:cNvPr id="1" name=""/>
+        <p:cNvGrpSpPr/>
+        <p:nvPr/>
+      </p:nvGrpSpPr>
+      <p:grpSpPr>
+        <a:xfrm>
+          <a:off x="0" y="0"/>
+          <a:ext cx="0" cy="0"/>
+          <a:chOff x="0" y="0"/>
+          <a:chExt cx="0" cy="0"/>
+        </a:xfrm>
+      </p:grpSpPr>
+      <p:sp>
+        <p:nvSpPr>
+          <p:cNvPr id="2" name="標題 1"/>
+          <p:cNvSpPr>
+            <a:spLocks noGrp="1"/>
+          </p:cNvSpPr>
+          <p:nvPr>
+            <p:ph type="title"/>
+          </p:nvPr>
+        </p:nvSpPr>
+        <p:spPr/>
+        <p:txBody>
+          <a:bodyPr/>
+          <a:lstStyle/>
+          <a:p>
+            <a:pPr algn="ctr"/>
+            <a:r>
+              <a:rPr lang="en-US" altLang="zh-TW" dirty="0"/>
+              <a:t>SYSTEM SEQUENCE DIAGRAM</a:t>
+            </a:r>
+            <a:br>
+              <a:rPr lang="en-US" altLang="zh-TW" dirty="0"/>
+            </a:br>
+            <a:r>
+              <a:rPr lang="en-US" altLang="zh-TW" dirty="0"/>
+              <a:t>MANAGE </a:t>
+            </a:r>
+            <a:r>
+              <a:rPr lang="en-US" altLang="zh-TW" dirty="0" smtClean="0"/>
+              <a:t>REQUIREMENT</a:t>
+            </a:r>
+            <a:endParaRPr lang="zh-TW" altLang="en-US" dirty="0"/>
+          </a:p>
+        </p:txBody>
+      </p:sp>
+      <p:sp>
+        <p:nvSpPr>
+          <p:cNvPr id="3" name="內容版面配置區 2"/>
+          <p:cNvSpPr>
+            <a:spLocks noGrp="1"/>
+          </p:cNvSpPr>
+          <p:nvPr>
+            <p:ph idx="1"/>
+          </p:nvPr>
+        </p:nvSpPr>
+        <p:spPr/>
+        <p:txBody>
+          <a:bodyPr/>
+          <a:lstStyle/>
+          <a:p>
+            <a:endParaRPr lang="zh-TW" altLang="en-US"/>
+          </a:p>
+        </p:txBody>
+      </p:sp>
+      <p:pic>
+        <p:nvPicPr>
+          <p:cNvPr id="5" name="圖片 4"/>
+          <p:cNvPicPr>
+            <a:picLocks noChangeAspect="1"/>
+          </p:cNvPicPr>
+          <p:nvPr/>
+        </p:nvPicPr>
+        <p:blipFill>
+          <a:blip r:embed="rId2"/>
+          <a:stretch>
+            <a:fillRect/>
+          </a:stretch>
+        </p:blipFill>
+        <p:spPr>
+          <a:xfrm>
+            <a:off x="2286000" y="403435"/>
+            <a:ext cx="8326607" cy="6229536"/>
+          </a:xfrm>
+          <a:prstGeom prst="rect">
+            <a:avLst/>
+          </a:prstGeom>
+        </p:spPr>
+      </p:pic>
+    </p:spTree>
+    <p:extLst>
+      <p:ext uri="{BB962C8B-B14F-4D97-AF65-F5344CB8AC3E}">
+        <p14:creationId xmlns:p14="http://schemas.microsoft.com/office/powerpoint/2010/main" val="2945758767"/>
       </p:ext>
     </p:extLst>
   </p:cSld>
@@ -8563,402 +9090,6 @@
 </p:sld>
 </file>
 
-<file path=ppt/slides/slide16.xml><?xml version="1.0" encoding="utf-8"?>
-<p:sld xmlns:a="http://schemas.openxmlformats.org/drawingml/2006/main" xmlns:r="http://schemas.openxmlformats.org/officeDocument/2006/relationships" xmlns:p="http://schemas.openxmlformats.org/presentationml/2006/main">
-  <p:cSld>
-    <p:spTree>
-      <p:nvGrpSpPr>
-        <p:cNvPr id="1" name=""/>
-        <p:cNvGrpSpPr/>
-        <p:nvPr/>
-      </p:nvGrpSpPr>
-      <p:grpSpPr>
-        <a:xfrm>
-          <a:off x="0" y="0"/>
-          <a:ext cx="0" cy="0"/>
-          <a:chOff x="0" y="0"/>
-          <a:chExt cx="0" cy="0"/>
-        </a:xfrm>
-      </p:grpSpPr>
-      <p:sp>
-        <p:nvSpPr>
-          <p:cNvPr id="2" name="標題 1"/>
-          <p:cNvSpPr>
-            <a:spLocks noGrp="1"/>
-          </p:cNvSpPr>
-          <p:nvPr>
-            <p:ph type="title"/>
-          </p:nvPr>
-        </p:nvSpPr>
-        <p:spPr/>
-        <p:txBody>
-          <a:bodyPr/>
-          <a:lstStyle/>
-          <a:p>
-            <a:endParaRPr lang="zh-TW" altLang="en-US"/>
-          </a:p>
-        </p:txBody>
-      </p:sp>
-      <p:sp>
-        <p:nvSpPr>
-          <p:cNvPr id="3" name="內容版面配置區 2"/>
-          <p:cNvSpPr>
-            <a:spLocks noGrp="1"/>
-          </p:cNvSpPr>
-          <p:nvPr>
-            <p:ph idx="1"/>
-          </p:nvPr>
-        </p:nvSpPr>
-        <p:spPr/>
-        <p:txBody>
-          <a:bodyPr/>
-          <a:lstStyle/>
-          <a:p>
-            <a:endParaRPr lang="zh-TW" altLang="en-US"/>
-          </a:p>
-        </p:txBody>
-      </p:sp>
-      <p:pic>
-        <p:nvPicPr>
-          <p:cNvPr id="6" name="圖片 5"/>
-          <p:cNvPicPr>
-            <a:picLocks noChangeAspect="1"/>
-          </p:cNvPicPr>
-          <p:nvPr/>
-        </p:nvPicPr>
-        <p:blipFill>
-          <a:blip r:embed="rId2"/>
-          <a:stretch>
-            <a:fillRect/>
-          </a:stretch>
-        </p:blipFill>
-        <p:spPr>
-          <a:xfrm>
-            <a:off x="1541601" y="2133600"/>
-            <a:ext cx="9963011" cy="4178886"/>
-          </a:xfrm>
-          <a:prstGeom prst="rect">
-            <a:avLst/>
-          </a:prstGeom>
-        </p:spPr>
-      </p:pic>
-    </p:spTree>
-    <p:extLst>
-      <p:ext uri="{BB962C8B-B14F-4D97-AF65-F5344CB8AC3E}">
-        <p14:creationId xmlns:p14="http://schemas.microsoft.com/office/powerpoint/2010/main" val="2498107104"/>
-      </p:ext>
-    </p:extLst>
-  </p:cSld>
-  <p:clrMapOvr>
-    <a:masterClrMapping/>
-  </p:clrMapOvr>
-  <p:timing>
-    <p:tnLst>
-      <p:par>
-        <p:cTn id="1" dur="indefinite" restart="never" nodeType="tmRoot"/>
-      </p:par>
-    </p:tnLst>
-  </p:timing>
-</p:sld>
-</file>
-
-<file path=ppt/slides/slide17.xml><?xml version="1.0" encoding="utf-8"?>
-<p:sld xmlns:a="http://schemas.openxmlformats.org/drawingml/2006/main" xmlns:r="http://schemas.openxmlformats.org/officeDocument/2006/relationships" xmlns:p="http://schemas.openxmlformats.org/presentationml/2006/main">
-  <p:cSld>
-    <p:spTree>
-      <p:nvGrpSpPr>
-        <p:cNvPr id="1" name=""/>
-        <p:cNvGrpSpPr/>
-        <p:nvPr/>
-      </p:nvGrpSpPr>
-      <p:grpSpPr>
-        <a:xfrm>
-          <a:off x="0" y="0"/>
-          <a:ext cx="0" cy="0"/>
-          <a:chOff x="0" y="0"/>
-          <a:chExt cx="0" cy="0"/>
-        </a:xfrm>
-      </p:grpSpPr>
-      <p:sp>
-        <p:nvSpPr>
-          <p:cNvPr id="2" name="標題 1"/>
-          <p:cNvSpPr>
-            <a:spLocks noGrp="1"/>
-          </p:cNvSpPr>
-          <p:nvPr>
-            <p:ph type="title"/>
-          </p:nvPr>
-        </p:nvSpPr>
-        <p:spPr/>
-        <p:txBody>
-          <a:bodyPr/>
-          <a:lstStyle/>
-          <a:p>
-            <a:endParaRPr lang="zh-TW" altLang="en-US"/>
-          </a:p>
-        </p:txBody>
-      </p:sp>
-      <p:sp>
-        <p:nvSpPr>
-          <p:cNvPr id="3" name="內容版面配置區 2"/>
-          <p:cNvSpPr>
-            <a:spLocks noGrp="1"/>
-          </p:cNvSpPr>
-          <p:nvPr>
-            <p:ph idx="1"/>
-          </p:nvPr>
-        </p:nvSpPr>
-        <p:spPr/>
-        <p:txBody>
-          <a:bodyPr/>
-          <a:lstStyle/>
-          <a:p>
-            <a:endParaRPr lang="zh-TW" altLang="en-US"/>
-          </a:p>
-        </p:txBody>
-      </p:sp>
-      <p:pic>
-        <p:nvPicPr>
-          <p:cNvPr id="9" name="圖片 8"/>
-          <p:cNvPicPr>
-            <a:picLocks noChangeAspect="1"/>
-          </p:cNvPicPr>
-          <p:nvPr/>
-        </p:nvPicPr>
-        <p:blipFill>
-          <a:blip r:embed="rId2"/>
-          <a:stretch>
-            <a:fillRect/>
-          </a:stretch>
-        </p:blipFill>
-        <p:spPr>
-          <a:xfrm>
-            <a:off x="448734" y="1905000"/>
-            <a:ext cx="11551571" cy="4631612"/>
-          </a:xfrm>
-          <a:prstGeom prst="rect">
-            <a:avLst/>
-          </a:prstGeom>
-        </p:spPr>
-      </p:pic>
-    </p:spTree>
-    <p:extLst>
-      <p:ext uri="{BB962C8B-B14F-4D97-AF65-F5344CB8AC3E}">
-        <p14:creationId xmlns:p14="http://schemas.microsoft.com/office/powerpoint/2010/main" val="905849710"/>
-      </p:ext>
-    </p:extLst>
-  </p:cSld>
-  <p:clrMapOvr>
-    <a:masterClrMapping/>
-  </p:clrMapOvr>
-  <p:timing>
-    <p:tnLst>
-      <p:par>
-        <p:cTn id="1" dur="indefinite" restart="never" nodeType="tmRoot"/>
-      </p:par>
-    </p:tnLst>
-  </p:timing>
-</p:sld>
-</file>
-
-<file path=ppt/slides/slide18.xml><?xml version="1.0" encoding="utf-8"?>
-<p:sld xmlns:a="http://schemas.openxmlformats.org/drawingml/2006/main" xmlns:r="http://schemas.openxmlformats.org/officeDocument/2006/relationships" xmlns:p="http://schemas.openxmlformats.org/presentationml/2006/main">
-  <p:cSld>
-    <p:spTree>
-      <p:nvGrpSpPr>
-        <p:cNvPr id="1" name=""/>
-        <p:cNvGrpSpPr/>
-        <p:nvPr/>
-      </p:nvGrpSpPr>
-      <p:grpSpPr>
-        <a:xfrm>
-          <a:off x="0" y="0"/>
-          <a:ext cx="0" cy="0"/>
-          <a:chOff x="0" y="0"/>
-          <a:chExt cx="0" cy="0"/>
-        </a:xfrm>
-      </p:grpSpPr>
-      <p:sp>
-        <p:nvSpPr>
-          <p:cNvPr id="2" name="標題 1"/>
-          <p:cNvSpPr>
-            <a:spLocks noGrp="1"/>
-          </p:cNvSpPr>
-          <p:nvPr>
-            <p:ph type="title"/>
-          </p:nvPr>
-        </p:nvSpPr>
-        <p:spPr/>
-        <p:txBody>
-          <a:bodyPr/>
-          <a:lstStyle/>
-          <a:p>
-            <a:endParaRPr lang="zh-TW" altLang="en-US"/>
-          </a:p>
-        </p:txBody>
-      </p:sp>
-      <p:sp>
-        <p:nvSpPr>
-          <p:cNvPr id="3" name="內容版面配置區 2"/>
-          <p:cNvSpPr>
-            <a:spLocks noGrp="1"/>
-          </p:cNvSpPr>
-          <p:nvPr>
-            <p:ph idx="1"/>
-          </p:nvPr>
-        </p:nvSpPr>
-        <p:spPr/>
-        <p:txBody>
-          <a:bodyPr/>
-          <a:lstStyle/>
-          <a:p>
-            <a:endParaRPr lang="zh-TW" altLang="en-US"/>
-          </a:p>
-        </p:txBody>
-      </p:sp>
-      <p:pic>
-        <p:nvPicPr>
-          <p:cNvPr id="7" name="圖片 6"/>
-          <p:cNvPicPr>
-            <a:picLocks noChangeAspect="1"/>
-          </p:cNvPicPr>
-          <p:nvPr/>
-        </p:nvPicPr>
-        <p:blipFill>
-          <a:blip r:embed="rId2"/>
-          <a:stretch>
-            <a:fillRect/>
-          </a:stretch>
-        </p:blipFill>
-        <p:spPr>
-          <a:xfrm>
-            <a:off x="1284441" y="1931935"/>
-            <a:ext cx="10304762" cy="4180952"/>
-          </a:xfrm>
-          <a:prstGeom prst="rect">
-            <a:avLst/>
-          </a:prstGeom>
-        </p:spPr>
-      </p:pic>
-    </p:spTree>
-    <p:extLst>
-      <p:ext uri="{BB962C8B-B14F-4D97-AF65-F5344CB8AC3E}">
-        <p14:creationId xmlns:p14="http://schemas.microsoft.com/office/powerpoint/2010/main" val="1625818622"/>
-      </p:ext>
-    </p:extLst>
-  </p:cSld>
-  <p:clrMapOvr>
-    <a:masterClrMapping/>
-  </p:clrMapOvr>
-  <p:timing>
-    <p:tnLst>
-      <p:par>
-        <p:cTn id="1" dur="indefinite" restart="never" nodeType="tmRoot"/>
-      </p:par>
-    </p:tnLst>
-  </p:timing>
-</p:sld>
-</file>
-
-<file path=ppt/slides/slide19.xml><?xml version="1.0" encoding="utf-8"?>
-<p:sld xmlns:a="http://schemas.openxmlformats.org/drawingml/2006/main" xmlns:r="http://schemas.openxmlformats.org/officeDocument/2006/relationships" xmlns:p="http://schemas.openxmlformats.org/presentationml/2006/main">
-  <p:cSld>
-    <p:spTree>
-      <p:nvGrpSpPr>
-        <p:cNvPr id="1" name=""/>
-        <p:cNvGrpSpPr/>
-        <p:nvPr/>
-      </p:nvGrpSpPr>
-      <p:grpSpPr>
-        <a:xfrm>
-          <a:off x="0" y="0"/>
-          <a:ext cx="0" cy="0"/>
-          <a:chOff x="0" y="0"/>
-          <a:chExt cx="0" cy="0"/>
-        </a:xfrm>
-      </p:grpSpPr>
-      <p:sp>
-        <p:nvSpPr>
-          <p:cNvPr id="2" name="標題 1"/>
-          <p:cNvSpPr>
-            <a:spLocks noGrp="1"/>
-          </p:cNvSpPr>
-          <p:nvPr>
-            <p:ph type="title"/>
-          </p:nvPr>
-        </p:nvSpPr>
-        <p:spPr/>
-        <p:txBody>
-          <a:bodyPr/>
-          <a:lstStyle/>
-          <a:p>
-            <a:endParaRPr lang="zh-TW" altLang="en-US"/>
-          </a:p>
-        </p:txBody>
-      </p:sp>
-      <p:sp>
-        <p:nvSpPr>
-          <p:cNvPr id="3" name="內容版面配置區 2"/>
-          <p:cNvSpPr>
-            <a:spLocks noGrp="1"/>
-          </p:cNvSpPr>
-          <p:nvPr>
-            <p:ph idx="1"/>
-          </p:nvPr>
-        </p:nvSpPr>
-        <p:spPr/>
-        <p:txBody>
-          <a:bodyPr/>
-          <a:lstStyle/>
-          <a:p>
-            <a:endParaRPr lang="zh-TW" altLang="en-US" dirty="0"/>
-          </a:p>
-        </p:txBody>
-      </p:sp>
-      <p:pic>
-        <p:nvPicPr>
-          <p:cNvPr id="8" name="圖片 7"/>
-          <p:cNvPicPr>
-            <a:picLocks noChangeAspect="1"/>
-          </p:cNvPicPr>
-          <p:nvPr/>
-        </p:nvPicPr>
-        <p:blipFill>
-          <a:blip r:embed="rId2"/>
-          <a:stretch>
-            <a:fillRect/>
-          </a:stretch>
-        </p:blipFill>
-        <p:spPr>
-          <a:xfrm>
-            <a:off x="1288472" y="1905000"/>
-            <a:ext cx="10511641" cy="4798174"/>
-          </a:xfrm>
-          <a:prstGeom prst="rect">
-            <a:avLst/>
-          </a:prstGeom>
-        </p:spPr>
-      </p:pic>
-    </p:spTree>
-    <p:extLst>
-      <p:ext uri="{BB962C8B-B14F-4D97-AF65-F5344CB8AC3E}">
-        <p14:creationId xmlns:p14="http://schemas.microsoft.com/office/powerpoint/2010/main" val="4163635729"/>
-      </p:ext>
-    </p:extLst>
-  </p:cSld>
-  <p:clrMapOvr>
-    <a:masterClrMapping/>
-  </p:clrMapOvr>
-  <p:timing>
-    <p:tnLst>
-      <p:par>
-        <p:cTn id="1" dur="indefinite" restart="never" nodeType="tmRoot"/>
-      </p:par>
-    </p:tnLst>
-  </p:timing>
-</p:sld>
-</file>
-
 <file path=ppt/slides/slide2.xml><?xml version="1.0" encoding="utf-8"?>
 <p:sld xmlns:a="http://schemas.openxmlformats.org/drawingml/2006/main" xmlns:r="http://schemas.openxmlformats.org/officeDocument/2006/relationships" xmlns:p="http://schemas.openxmlformats.org/presentationml/2006/main">
   <p:cSld>
@@ -9058,233 +9189,6 @@
 </file>
 
 <file path=ppt/slides/slide20.xml><?xml version="1.0" encoding="utf-8"?>
-<p:sld xmlns:a="http://schemas.openxmlformats.org/drawingml/2006/main" xmlns:r="http://schemas.openxmlformats.org/officeDocument/2006/relationships" xmlns:p="http://schemas.openxmlformats.org/presentationml/2006/main">
-  <p:cSld>
-    <p:spTree>
-      <p:nvGrpSpPr>
-        <p:cNvPr id="1" name=""/>
-        <p:cNvGrpSpPr/>
-        <p:nvPr/>
-      </p:nvGrpSpPr>
-      <p:grpSpPr>
-        <a:xfrm>
-          <a:off x="0" y="0"/>
-          <a:ext cx="0" cy="0"/>
-          <a:chOff x="0" y="0"/>
-          <a:chExt cx="0" cy="0"/>
-        </a:xfrm>
-      </p:grpSpPr>
-      <p:sp>
-        <p:nvSpPr>
-          <p:cNvPr id="2" name="標題 1"/>
-          <p:cNvSpPr>
-            <a:spLocks noGrp="1"/>
-          </p:cNvSpPr>
-          <p:nvPr>
-            <p:ph type="title"/>
-          </p:nvPr>
-        </p:nvSpPr>
-        <p:spPr/>
-        <p:txBody>
-          <a:bodyPr/>
-          <a:lstStyle/>
-          <a:p>
-            <a:pPr algn="ctr"/>
-            <a:r>
-              <a:rPr lang="en-US" altLang="zh-TW" dirty="0"/>
-              <a:t>SYSTEM SEQUENCE DIAGRAM</a:t>
-            </a:r>
-            <a:br>
-              <a:rPr lang="en-US" altLang="zh-TW" dirty="0"/>
-            </a:br>
-            <a:r>
-              <a:rPr lang="en-US" altLang="zh-TW" dirty="0"/>
-              <a:t>MANAGE </a:t>
-            </a:r>
-            <a:r>
-              <a:rPr lang="en-US" altLang="zh-TW" dirty="0" smtClean="0"/>
-              <a:t>REQUIREMENT</a:t>
-            </a:r>
-            <a:endParaRPr lang="zh-TW" altLang="en-US" dirty="0"/>
-          </a:p>
-        </p:txBody>
-      </p:sp>
-      <p:sp>
-        <p:nvSpPr>
-          <p:cNvPr id="3" name="內容版面配置區 2"/>
-          <p:cNvSpPr>
-            <a:spLocks noGrp="1"/>
-          </p:cNvSpPr>
-          <p:nvPr>
-            <p:ph idx="1"/>
-          </p:nvPr>
-        </p:nvSpPr>
-        <p:spPr/>
-        <p:txBody>
-          <a:bodyPr/>
-          <a:lstStyle/>
-          <a:p>
-            <a:endParaRPr lang="zh-TW" altLang="en-US"/>
-          </a:p>
-        </p:txBody>
-      </p:sp>
-      <p:pic>
-        <p:nvPicPr>
-          <p:cNvPr id="4" name="圖片 3"/>
-          <p:cNvPicPr/>
-          <p:nvPr/>
-        </p:nvPicPr>
-        <p:blipFill>
-          <a:blip r:embed="rId2"/>
-          <a:stretch>
-            <a:fillRect/>
-          </a:stretch>
-        </p:blipFill>
-        <p:spPr>
-          <a:xfrm>
-            <a:off x="1397727" y="0"/>
-            <a:ext cx="10245634" cy="6858000"/>
-          </a:xfrm>
-          <a:prstGeom prst="rect">
-            <a:avLst/>
-          </a:prstGeom>
-        </p:spPr>
-      </p:pic>
-    </p:spTree>
-    <p:extLst>
-      <p:ext uri="{BB962C8B-B14F-4D97-AF65-F5344CB8AC3E}">
-        <p14:creationId xmlns:p14="http://schemas.microsoft.com/office/powerpoint/2010/main" val="2945758767"/>
-      </p:ext>
-    </p:extLst>
-  </p:cSld>
-  <p:clrMapOvr>
-    <a:masterClrMapping/>
-  </p:clrMapOvr>
-  <p:timing>
-    <p:tnLst>
-      <p:par>
-        <p:cTn id="1" dur="indefinite" restart="never" nodeType="tmRoot">
-          <p:childTnLst>
-            <p:seq concurrent="1" nextAc="seek">
-              <p:cTn id="2" dur="indefinite" nodeType="mainSeq">
-                <p:childTnLst>
-                  <p:par>
-                    <p:cTn id="3" fill="hold">
-                      <p:stCondLst>
-                        <p:cond delay="indefinite"/>
-                      </p:stCondLst>
-                      <p:childTnLst>
-                        <p:par>
-                          <p:cTn id="4" fill="hold">
-                            <p:stCondLst>
-                              <p:cond delay="0"/>
-                            </p:stCondLst>
-                            <p:childTnLst>
-                              <p:par>
-                                <p:cTn id="5" presetID="2" presetClass="entr" presetSubtype="4" fill="hold" nodeType="clickEffect">
-                                  <p:stCondLst>
-                                    <p:cond delay="0"/>
-                                  </p:stCondLst>
-                                  <p:childTnLst>
-                                    <p:set>
-                                      <p:cBhvr>
-                                        <p:cTn id="6" dur="1" fill="hold">
-                                          <p:stCondLst>
-                                            <p:cond delay="0"/>
-                                          </p:stCondLst>
-                                        </p:cTn>
-                                        <p:tgtEl>
-                                          <p:spTgt spid="4"/>
-                                        </p:tgtEl>
-                                        <p:attrNameLst>
-                                          <p:attrName>style.visibility</p:attrName>
-                                        </p:attrNameLst>
-                                      </p:cBhvr>
-                                      <p:to>
-                                        <p:strVal val="visible"/>
-                                      </p:to>
-                                    </p:set>
-                                    <p:anim calcmode="lin" valueType="num">
-                                      <p:cBhvr additive="base">
-                                        <p:cTn id="7" dur="500" fill="hold"/>
-                                        <p:tgtEl>
-                                          <p:spTgt spid="4"/>
-                                        </p:tgtEl>
-                                        <p:attrNameLst>
-                                          <p:attrName>ppt_x</p:attrName>
-                                        </p:attrNameLst>
-                                      </p:cBhvr>
-                                      <p:tavLst>
-                                        <p:tav tm="0">
-                                          <p:val>
-                                            <p:strVal val="#ppt_x"/>
-                                          </p:val>
-                                        </p:tav>
-                                        <p:tav tm="100000">
-                                          <p:val>
-                                            <p:strVal val="#ppt_x"/>
-                                          </p:val>
-                                        </p:tav>
-                                      </p:tavLst>
-                                    </p:anim>
-                                    <p:anim calcmode="lin" valueType="num">
-                                      <p:cBhvr additive="base">
-                                        <p:cTn id="8" dur="500" fill="hold"/>
-                                        <p:tgtEl>
-                                          <p:spTgt spid="4"/>
-                                        </p:tgtEl>
-                                        <p:attrNameLst>
-                                          <p:attrName>ppt_y</p:attrName>
-                                        </p:attrNameLst>
-                                      </p:cBhvr>
-                                      <p:tavLst>
-                                        <p:tav tm="0">
-                                          <p:val>
-                                            <p:strVal val="1+#ppt_h/2"/>
-                                          </p:val>
-                                        </p:tav>
-                                        <p:tav tm="100000">
-                                          <p:val>
-                                            <p:strVal val="#ppt_y"/>
-                                          </p:val>
-                                        </p:tav>
-                                      </p:tavLst>
-                                    </p:anim>
-                                  </p:childTnLst>
-                                </p:cTn>
-                              </p:par>
-                            </p:childTnLst>
-                          </p:cTn>
-                        </p:par>
-                      </p:childTnLst>
-                    </p:cTn>
-                  </p:par>
-                </p:childTnLst>
-              </p:cTn>
-              <p:prevCondLst>
-                <p:cond evt="onPrev" delay="0">
-                  <p:tgtEl>
-                    <p:sldTgt/>
-                  </p:tgtEl>
-                </p:cond>
-              </p:prevCondLst>
-              <p:nextCondLst>
-                <p:cond evt="onNext" delay="0">
-                  <p:tgtEl>
-                    <p:sldTgt/>
-                  </p:tgtEl>
-                </p:cond>
-              </p:nextCondLst>
-            </p:seq>
-          </p:childTnLst>
-        </p:cTn>
-      </p:par>
-    </p:tnLst>
-  </p:timing>
-</p:sld>
-</file>
-
-<file path=ppt/slides/slide21.xml><?xml version="1.0" encoding="utf-8"?>
 <p:sld xmlns:a="http://schemas.openxmlformats.org/drawingml/2006/main" xmlns:r="http://schemas.openxmlformats.org/officeDocument/2006/relationships" xmlns:p="http://schemas.openxmlformats.org/presentationml/2006/main">
   <p:cSld>
     <p:spTree>
@@ -9383,7 +9287,7 @@
 </p:sld>
 </file>
 
-<file path=ppt/slides/slide22.xml><?xml version="1.0" encoding="utf-8"?>
+<file path=ppt/slides/slide21.xml><?xml version="1.0" encoding="utf-8"?>
 <p:sld xmlns:a="http://schemas.openxmlformats.org/drawingml/2006/main" xmlns:r="http://schemas.openxmlformats.org/officeDocument/2006/relationships" xmlns:p="http://schemas.openxmlformats.org/presentationml/2006/main">
   <p:cSld>
     <p:spTree>
@@ -9482,7 +9386,7 @@
 </p:sld>
 </file>
 
-<file path=ppt/slides/slide23.xml><?xml version="1.0" encoding="utf-8"?>
+<file path=ppt/slides/slide22.xml><?xml version="1.0" encoding="utf-8"?>
 <p:sld xmlns:a="http://schemas.openxmlformats.org/drawingml/2006/main" xmlns:r="http://schemas.openxmlformats.org/officeDocument/2006/relationships" xmlns:p="http://schemas.openxmlformats.org/presentationml/2006/main">
   <p:cSld>
     <p:spTree>
@@ -9581,7 +9485,7 @@
 </p:sld>
 </file>
 
-<file path=ppt/slides/slide24.xml><?xml version="1.0" encoding="utf-8"?>
+<file path=ppt/slides/slide23.xml><?xml version="1.0" encoding="utf-8"?>
 <p:sld xmlns:a="http://schemas.openxmlformats.org/drawingml/2006/main" xmlns:r="http://schemas.openxmlformats.org/officeDocument/2006/relationships" xmlns:p="http://schemas.openxmlformats.org/presentationml/2006/main">
   <p:cSld>
     <p:spTree>
@@ -9680,7 +9584,7 @@
 </p:sld>
 </file>
 
-<file path=ppt/slides/slide25.xml><?xml version="1.0" encoding="utf-8"?>
+<file path=ppt/slides/slide24.xml><?xml version="1.0" encoding="utf-8"?>
 <p:sld xmlns:a="http://schemas.openxmlformats.org/drawingml/2006/main" xmlns:r="http://schemas.openxmlformats.org/officeDocument/2006/relationships" xmlns:p="http://schemas.openxmlformats.org/presentationml/2006/main">
   <p:cSld>
     <p:spTree>
@@ -9792,7 +9696,7 @@
 </p:sld>
 </file>
 
-<file path=ppt/slides/slide26.xml><?xml version="1.0" encoding="utf-8"?>
+<file path=ppt/slides/slide25.xml><?xml version="1.0" encoding="utf-8"?>
 <p:sld xmlns:a="http://schemas.openxmlformats.org/drawingml/2006/main" xmlns:r="http://schemas.openxmlformats.org/officeDocument/2006/relationships" xmlns:p="http://schemas.openxmlformats.org/presentationml/2006/main">
   <p:cSld>
     <p:spTree>
@@ -9891,7 +9795,7 @@
 </p:sld>
 </file>
 
-<file path=ppt/slides/slide27.xml><?xml version="1.0" encoding="utf-8"?>
+<file path=ppt/slides/slide26.xml><?xml version="1.0" encoding="utf-8"?>
 <p:sld xmlns:a="http://schemas.openxmlformats.org/drawingml/2006/main" xmlns:r="http://schemas.openxmlformats.org/officeDocument/2006/relationships" xmlns:p="http://schemas.openxmlformats.org/presentationml/2006/main">
   <p:cSld>
     <p:spTree>
@@ -9978,7 +9882,7 @@
 </p:sld>
 </file>
 
-<file path=ppt/slides/slide28.xml><?xml version="1.0" encoding="utf-8"?>
+<file path=ppt/slides/slide27.xml><?xml version="1.0" encoding="utf-8"?>
 <p:sld xmlns:a="http://schemas.openxmlformats.org/drawingml/2006/main" xmlns:r="http://schemas.openxmlformats.org/officeDocument/2006/relationships" xmlns:p="http://schemas.openxmlformats.org/presentationml/2006/main">
   <p:cSld>
     <p:spTree>
@@ -10081,7 +9985,7 @@
 </p:sld>
 </file>
 
-<file path=ppt/slides/slide29.xml><?xml version="1.0" encoding="utf-8"?>
+<file path=ppt/slides/slide28.xml><?xml version="1.0" encoding="utf-8"?>
 <p:sld xmlns:a="http://schemas.openxmlformats.org/drawingml/2006/main" xmlns:r="http://schemas.openxmlformats.org/officeDocument/2006/relationships" xmlns:p="http://schemas.openxmlformats.org/presentationml/2006/main">
   <p:cSld>
     <p:spTree>
@@ -10168,6 +10072,93 @@
     <p:extLst>
       <p:ext uri="{BB962C8B-B14F-4D97-AF65-F5344CB8AC3E}">
         <p14:creationId xmlns:p14="http://schemas.microsoft.com/office/powerpoint/2010/main" val="3006276208"/>
+      </p:ext>
+    </p:extLst>
+  </p:cSld>
+  <p:clrMapOvr>
+    <a:masterClrMapping/>
+  </p:clrMapOvr>
+  <p:timing>
+    <p:tnLst>
+      <p:par>
+        <p:cTn id="1" dur="indefinite" restart="never" nodeType="tmRoot"/>
+      </p:par>
+    </p:tnLst>
+  </p:timing>
+</p:sld>
+</file>
+
+<file path=ppt/slides/slide29.xml><?xml version="1.0" encoding="utf-8"?>
+<p:sld xmlns:a="http://schemas.openxmlformats.org/drawingml/2006/main" xmlns:r="http://schemas.openxmlformats.org/officeDocument/2006/relationships" xmlns:p="http://schemas.openxmlformats.org/presentationml/2006/main">
+  <p:cSld>
+    <p:spTree>
+      <p:nvGrpSpPr>
+        <p:cNvPr id="1" name=""/>
+        <p:cNvGrpSpPr/>
+        <p:nvPr/>
+      </p:nvGrpSpPr>
+      <p:grpSpPr>
+        <a:xfrm>
+          <a:off x="0" y="0"/>
+          <a:ext cx="0" cy="0"/>
+          <a:chOff x="0" y="0"/>
+          <a:chExt cx="0" cy="0"/>
+        </a:xfrm>
+      </p:grpSpPr>
+      <p:sp>
+        <p:nvSpPr>
+          <p:cNvPr id="2" name="標題 1"/>
+          <p:cNvSpPr>
+            <a:spLocks noGrp="1"/>
+          </p:cNvSpPr>
+          <p:nvPr>
+            <p:ph type="title"/>
+          </p:nvPr>
+        </p:nvSpPr>
+        <p:spPr/>
+        <p:txBody>
+          <a:bodyPr/>
+          <a:lstStyle/>
+          <a:p>
+            <a:pPr algn="ctr"/>
+            <a:r>
+              <a:rPr lang="en-US" altLang="zh-TW" dirty="0" smtClean="0"/>
+              <a:t>TOTAL TIME FOR MEMBERS</a:t>
+            </a:r>
+            <a:endParaRPr lang="zh-TW" altLang="en-US" dirty="0"/>
+          </a:p>
+        </p:txBody>
+      </p:sp>
+      <p:pic>
+        <p:nvPicPr>
+          <p:cNvPr id="4" name="內容版面配置區 3"/>
+          <p:cNvPicPr>
+            <a:picLocks noGrp="1" noChangeAspect="1"/>
+          </p:cNvPicPr>
+          <p:nvPr>
+            <p:ph idx="1"/>
+          </p:nvPr>
+        </p:nvPicPr>
+        <p:blipFill>
+          <a:blip r:embed="rId2"/>
+          <a:stretch>
+            <a:fillRect/>
+          </a:stretch>
+        </p:blipFill>
+        <p:spPr>
+          <a:xfrm>
+            <a:off x="2697428" y="1905000"/>
+            <a:ext cx="7349226" cy="4762492"/>
+          </a:xfrm>
+          <a:prstGeom prst="rect">
+            <a:avLst/>
+          </a:prstGeom>
+        </p:spPr>
+      </p:pic>
+    </p:spTree>
+    <p:extLst>
+      <p:ext uri="{BB962C8B-B14F-4D97-AF65-F5344CB8AC3E}">
+        <p14:creationId xmlns:p14="http://schemas.microsoft.com/office/powerpoint/2010/main" val="929864974"/>
       </p:ext>
     </p:extLst>
   </p:cSld>
@@ -10315,93 +10306,6 @@
           <a:p>
             <a:pPr algn="ctr"/>
             <a:r>
-              <a:rPr lang="en-US" altLang="zh-TW" dirty="0" smtClean="0"/>
-              <a:t>TOTAL TIME FOR MEMBERS</a:t>
-            </a:r>
-            <a:endParaRPr lang="zh-TW" altLang="en-US" dirty="0"/>
-          </a:p>
-        </p:txBody>
-      </p:sp>
-      <p:pic>
-        <p:nvPicPr>
-          <p:cNvPr id="4" name="內容版面配置區 3"/>
-          <p:cNvPicPr>
-            <a:picLocks noGrp="1" noChangeAspect="1"/>
-          </p:cNvPicPr>
-          <p:nvPr>
-            <p:ph idx="1"/>
-          </p:nvPr>
-        </p:nvPicPr>
-        <p:blipFill>
-          <a:blip r:embed="rId2"/>
-          <a:stretch>
-            <a:fillRect/>
-          </a:stretch>
-        </p:blipFill>
-        <p:spPr>
-          <a:xfrm>
-            <a:off x="2697428" y="1905000"/>
-            <a:ext cx="7349226" cy="4762492"/>
-          </a:xfrm>
-          <a:prstGeom prst="rect">
-            <a:avLst/>
-          </a:prstGeom>
-        </p:spPr>
-      </p:pic>
-    </p:spTree>
-    <p:extLst>
-      <p:ext uri="{BB962C8B-B14F-4D97-AF65-F5344CB8AC3E}">
-        <p14:creationId xmlns:p14="http://schemas.microsoft.com/office/powerpoint/2010/main" val="929864974"/>
-      </p:ext>
-    </p:extLst>
-  </p:cSld>
-  <p:clrMapOvr>
-    <a:masterClrMapping/>
-  </p:clrMapOvr>
-  <p:timing>
-    <p:tnLst>
-      <p:par>
-        <p:cTn id="1" dur="indefinite" restart="never" nodeType="tmRoot"/>
-      </p:par>
-    </p:tnLst>
-  </p:timing>
-</p:sld>
-</file>
-
-<file path=ppt/slides/slide31.xml><?xml version="1.0" encoding="utf-8"?>
-<p:sld xmlns:a="http://schemas.openxmlformats.org/drawingml/2006/main" xmlns:r="http://schemas.openxmlformats.org/officeDocument/2006/relationships" xmlns:p="http://schemas.openxmlformats.org/presentationml/2006/main">
-  <p:cSld>
-    <p:spTree>
-      <p:nvGrpSpPr>
-        <p:cNvPr id="1" name=""/>
-        <p:cNvGrpSpPr/>
-        <p:nvPr/>
-      </p:nvGrpSpPr>
-      <p:grpSpPr>
-        <a:xfrm>
-          <a:off x="0" y="0"/>
-          <a:ext cx="0" cy="0"/>
-          <a:chOff x="0" y="0"/>
-          <a:chExt cx="0" cy="0"/>
-        </a:xfrm>
-      </p:grpSpPr>
-      <p:sp>
-        <p:nvSpPr>
-          <p:cNvPr id="2" name="標題 1"/>
-          <p:cNvSpPr>
-            <a:spLocks noGrp="1"/>
-          </p:cNvSpPr>
-          <p:nvPr>
-            <p:ph type="title"/>
-          </p:nvPr>
-        </p:nvSpPr>
-        <p:spPr/>
-        <p:txBody>
-          <a:bodyPr/>
-          <a:lstStyle/>
-          <a:p>
-            <a:pPr algn="ctr"/>
-            <a:r>
               <a:rPr lang="en-US" altLang="zh-TW" dirty="0"/>
               <a:t>TOTAL TIME FOR MEMBERS</a:t>
             </a:r>
@@ -10472,7 +10376,7 @@
 </p:sld>
 </file>
 
-<file path=ppt/slides/slide32.xml><?xml version="1.0" encoding="utf-8"?>
+<file path=ppt/slides/slide31.xml><?xml version="1.0" encoding="utf-8"?>
 <p:sld xmlns:a="http://schemas.openxmlformats.org/drawingml/2006/main" xmlns:r="http://schemas.openxmlformats.org/officeDocument/2006/relationships" xmlns:p="http://schemas.openxmlformats.org/presentationml/2006/main">
   <p:cSld>
     <p:spTree>
@@ -10559,7 +10463,7 @@
 </p:sld>
 </file>
 
-<file path=ppt/slides/slide33.xml><?xml version="1.0" encoding="utf-8"?>
+<file path=ppt/slides/slide32.xml><?xml version="1.0" encoding="utf-8"?>
 <p:sld xmlns:a="http://schemas.openxmlformats.org/drawingml/2006/main" xmlns:r="http://schemas.openxmlformats.org/officeDocument/2006/relationships" xmlns:p="http://schemas.openxmlformats.org/presentationml/2006/main">
   <p:cSld>
     <p:spTree>
@@ -10666,7 +10570,7 @@
 </p:sld>
 </file>
 
-<file path=ppt/slides/slide34.xml><?xml version="1.0" encoding="utf-8"?>
+<file path=ppt/slides/slide33.xml><?xml version="1.0" encoding="utf-8"?>
 <p:sld xmlns:a="http://schemas.openxmlformats.org/drawingml/2006/main" xmlns:r="http://schemas.openxmlformats.org/officeDocument/2006/relationships" xmlns:p="http://schemas.openxmlformats.org/presentationml/2006/main">
   <p:cSld>
     <p:spTree>
@@ -10789,7 +10693,7 @@
 </p:sld>
 </file>
 
-<file path=ppt/slides/slide35.xml><?xml version="1.0" encoding="utf-8"?>
+<file path=ppt/slides/slide34.xml><?xml version="1.0" encoding="utf-8"?>
 <p:sld xmlns:a="http://schemas.openxmlformats.org/drawingml/2006/main" xmlns:r="http://schemas.openxmlformats.org/officeDocument/2006/relationships" xmlns:p="http://schemas.openxmlformats.org/presentationml/2006/main">
   <p:cSld>
     <p:spTree>
@@ -10888,7 +10792,7 @@
 </p:sld>
 </file>
 
-<file path=ppt/slides/slide36.xml><?xml version="1.0" encoding="utf-8"?>
+<file path=ppt/slides/slide35.xml><?xml version="1.0" encoding="utf-8"?>
 <p:sld xmlns:a="http://schemas.openxmlformats.org/drawingml/2006/main" xmlns:r="http://schemas.openxmlformats.org/officeDocument/2006/relationships" xmlns:p="http://schemas.openxmlformats.org/presentationml/2006/main">
   <p:cSld>
     <p:spTree>
@@ -11011,7 +10915,7 @@
 </p:sld>
 </file>
 
-<file path=ppt/slides/slide37.xml><?xml version="1.0" encoding="utf-8"?>
+<file path=ppt/slides/slide36.xml><?xml version="1.0" encoding="utf-8"?>
 <p:sld xmlns:a="http://schemas.openxmlformats.org/drawingml/2006/main" xmlns:r="http://schemas.openxmlformats.org/officeDocument/2006/relationships" xmlns:p="http://schemas.openxmlformats.org/presentationml/2006/main">
   <p:cSld>
     <p:spTree>
@@ -11110,7 +11014,7 @@
 </p:sld>
 </file>
 
-<file path=ppt/slides/slide38.xml><?xml version="1.0" encoding="utf-8"?>
+<file path=ppt/slides/slide37.xml><?xml version="1.0" encoding="utf-8"?>
 <p:sld xmlns:a="http://schemas.openxmlformats.org/drawingml/2006/main" xmlns:r="http://schemas.openxmlformats.org/officeDocument/2006/relationships" xmlns:p="http://schemas.openxmlformats.org/presentationml/2006/main">
   <p:cSld>
     <p:spTree>
@@ -11209,7 +11113,7 @@
 </p:sld>
 </file>
 
-<file path=ppt/slides/slide39.xml><?xml version="1.0" encoding="utf-8"?>
+<file path=ppt/slides/slide38.xml><?xml version="1.0" encoding="utf-8"?>
 <p:sld xmlns:a="http://schemas.openxmlformats.org/drawingml/2006/main" xmlns:r="http://schemas.openxmlformats.org/officeDocument/2006/relationships" xmlns:p="http://schemas.openxmlformats.org/presentationml/2006/main">
   <p:cSld>
     <p:spTree>
@@ -11308,86 +11212,7 @@
 </p:sld>
 </file>
 
-<file path=ppt/slides/slide4.xml><?xml version="1.0" encoding="utf-8"?>
-<p:sld xmlns:a="http://schemas.openxmlformats.org/drawingml/2006/main" xmlns:r="http://schemas.openxmlformats.org/officeDocument/2006/relationships" xmlns:p="http://schemas.openxmlformats.org/presentationml/2006/main">
-  <p:cSld>
-    <p:spTree>
-      <p:nvGrpSpPr>
-        <p:cNvPr id="1" name=""/>
-        <p:cNvGrpSpPr/>
-        <p:nvPr/>
-      </p:nvGrpSpPr>
-      <p:grpSpPr>
-        <a:xfrm>
-          <a:off x="0" y="0"/>
-          <a:ext cx="0" cy="0"/>
-          <a:chOff x="0" y="0"/>
-          <a:chExt cx="0" cy="0"/>
-        </a:xfrm>
-      </p:grpSpPr>
-      <p:sp>
-        <p:nvSpPr>
-          <p:cNvPr id="2" name="標題 1"/>
-          <p:cNvSpPr>
-            <a:spLocks noGrp="1"/>
-          </p:cNvSpPr>
-          <p:nvPr>
-            <p:ph type="title"/>
-          </p:nvPr>
-        </p:nvSpPr>
-        <p:spPr/>
-        <p:txBody>
-          <a:bodyPr/>
-          <a:lstStyle/>
-          <a:p>
-            <a:r>
-              <a:rPr lang="en-US" altLang="zh-TW" dirty="0" smtClean="0"/>
-              <a:t>DEMO</a:t>
-            </a:r>
-            <a:endParaRPr lang="zh-TW" altLang="en-US" dirty="0"/>
-          </a:p>
-        </p:txBody>
-      </p:sp>
-      <p:sp>
-        <p:nvSpPr>
-          <p:cNvPr id="3" name="內容版面配置區 2"/>
-          <p:cNvSpPr>
-            <a:spLocks noGrp="1"/>
-          </p:cNvSpPr>
-          <p:nvPr>
-            <p:ph idx="1"/>
-          </p:nvPr>
-        </p:nvSpPr>
-        <p:spPr/>
-        <p:txBody>
-          <a:bodyPr/>
-          <a:lstStyle/>
-          <a:p>
-            <a:endParaRPr lang="zh-TW" altLang="en-US"/>
-          </a:p>
-        </p:txBody>
-      </p:sp>
-    </p:spTree>
-    <p:extLst>
-      <p:ext uri="{BB962C8B-B14F-4D97-AF65-F5344CB8AC3E}">
-        <p14:creationId xmlns:p14="http://schemas.microsoft.com/office/powerpoint/2010/main" val="2174198436"/>
-      </p:ext>
-    </p:extLst>
-  </p:cSld>
-  <p:clrMapOvr>
-    <a:masterClrMapping/>
-  </p:clrMapOvr>
-  <p:timing>
-    <p:tnLst>
-      <p:par>
-        <p:cTn id="1" dur="indefinite" restart="never" nodeType="tmRoot"/>
-      </p:par>
-    </p:tnLst>
-  </p:timing>
-</p:sld>
-</file>
-
-<file path=ppt/slides/slide40.xml><?xml version="1.0" encoding="utf-8"?>
+<file path=ppt/slides/slide39.xml><?xml version="1.0" encoding="utf-8"?>
 <p:sld xmlns:a="http://schemas.openxmlformats.org/drawingml/2006/main" xmlns:r="http://schemas.openxmlformats.org/officeDocument/2006/relationships" xmlns:p="http://schemas.openxmlformats.org/presentationml/2006/main">
   <p:cSld>
     <p:spTree>
@@ -11486,7 +11311,86 @@
 </p:sld>
 </file>
 
-<file path=ppt/slides/slide41.xml><?xml version="1.0" encoding="utf-8"?>
+<file path=ppt/slides/slide4.xml><?xml version="1.0" encoding="utf-8"?>
+<p:sld xmlns:a="http://schemas.openxmlformats.org/drawingml/2006/main" xmlns:r="http://schemas.openxmlformats.org/officeDocument/2006/relationships" xmlns:p="http://schemas.openxmlformats.org/presentationml/2006/main">
+  <p:cSld>
+    <p:spTree>
+      <p:nvGrpSpPr>
+        <p:cNvPr id="1" name=""/>
+        <p:cNvGrpSpPr/>
+        <p:nvPr/>
+      </p:nvGrpSpPr>
+      <p:grpSpPr>
+        <a:xfrm>
+          <a:off x="0" y="0"/>
+          <a:ext cx="0" cy="0"/>
+          <a:chOff x="0" y="0"/>
+          <a:chExt cx="0" cy="0"/>
+        </a:xfrm>
+      </p:grpSpPr>
+      <p:sp>
+        <p:nvSpPr>
+          <p:cNvPr id="2" name="標題 1"/>
+          <p:cNvSpPr>
+            <a:spLocks noGrp="1"/>
+          </p:cNvSpPr>
+          <p:nvPr>
+            <p:ph type="title"/>
+          </p:nvPr>
+        </p:nvSpPr>
+        <p:spPr/>
+        <p:txBody>
+          <a:bodyPr/>
+          <a:lstStyle/>
+          <a:p>
+            <a:r>
+              <a:rPr lang="en-US" altLang="zh-TW" dirty="0" smtClean="0"/>
+              <a:t>DEMO</a:t>
+            </a:r>
+            <a:endParaRPr lang="zh-TW" altLang="en-US" dirty="0"/>
+          </a:p>
+        </p:txBody>
+      </p:sp>
+      <p:sp>
+        <p:nvSpPr>
+          <p:cNvPr id="3" name="內容版面配置區 2"/>
+          <p:cNvSpPr>
+            <a:spLocks noGrp="1"/>
+          </p:cNvSpPr>
+          <p:nvPr>
+            <p:ph idx="1"/>
+          </p:nvPr>
+        </p:nvSpPr>
+        <p:spPr/>
+        <p:txBody>
+          <a:bodyPr/>
+          <a:lstStyle/>
+          <a:p>
+            <a:endParaRPr lang="zh-TW" altLang="en-US"/>
+          </a:p>
+        </p:txBody>
+      </p:sp>
+    </p:spTree>
+    <p:extLst>
+      <p:ext uri="{BB962C8B-B14F-4D97-AF65-F5344CB8AC3E}">
+        <p14:creationId xmlns:p14="http://schemas.microsoft.com/office/powerpoint/2010/main" val="2174198436"/>
+      </p:ext>
+    </p:extLst>
+  </p:cSld>
+  <p:clrMapOvr>
+    <a:masterClrMapping/>
+  </p:clrMapOvr>
+  <p:timing>
+    <p:tnLst>
+      <p:par>
+        <p:cTn id="1" dur="indefinite" restart="never" nodeType="tmRoot"/>
+      </p:par>
+    </p:tnLst>
+  </p:timing>
+</p:sld>
+</file>
+
+<file path=ppt/slides/slide40.xml><?xml version="1.0" encoding="utf-8"?>
 <p:sld xmlns:a="http://schemas.openxmlformats.org/drawingml/2006/main" xmlns:r="http://schemas.openxmlformats.org/officeDocument/2006/relationships" xmlns:p="http://schemas.openxmlformats.org/presentationml/2006/main">
   <p:cSld>
     <p:spTree>
@@ -11609,7 +11513,7 @@
 </p:sld>
 </file>
 
-<file path=ppt/slides/slide42.xml><?xml version="1.0" encoding="utf-8"?>
+<file path=ppt/slides/slide41.xml><?xml version="1.0" encoding="utf-8"?>
 <p:sld xmlns:a="http://schemas.openxmlformats.org/drawingml/2006/main" xmlns:r="http://schemas.openxmlformats.org/officeDocument/2006/relationships" xmlns:p="http://schemas.openxmlformats.org/presentationml/2006/main">
   <p:cSld>
     <p:spTree>
@@ -11708,7 +11612,7 @@
 </p:sld>
 </file>
 
-<file path=ppt/slides/slide43.xml><?xml version="1.0" encoding="utf-8"?>
+<file path=ppt/slides/slide42.xml><?xml version="1.0" encoding="utf-8"?>
 <p:sld xmlns:a="http://schemas.openxmlformats.org/drawingml/2006/main" xmlns:r="http://schemas.openxmlformats.org/officeDocument/2006/relationships" xmlns:p="http://schemas.openxmlformats.org/presentationml/2006/main">
   <p:cSld>
     <p:spTree>
@@ -11807,7 +11711,7 @@
 </p:sld>
 </file>
 
-<file path=ppt/slides/slide44.xml><?xml version="1.0" encoding="utf-8"?>
+<file path=ppt/slides/slide43.xml><?xml version="1.0" encoding="utf-8"?>
 <p:sld xmlns:a="http://schemas.openxmlformats.org/drawingml/2006/main" xmlns:r="http://schemas.openxmlformats.org/officeDocument/2006/relationships" xmlns:p="http://schemas.openxmlformats.org/presentationml/2006/main">
   <p:cSld>
     <p:spTree>
@@ -11906,7 +11810,7 @@
 </p:sld>
 </file>
 
-<file path=ppt/slides/slide45.xml><?xml version="1.0" encoding="utf-8"?>
+<file path=ppt/slides/slide44.xml><?xml version="1.0" encoding="utf-8"?>
 <p:sld xmlns:a="http://schemas.openxmlformats.org/drawingml/2006/main" xmlns:r="http://schemas.openxmlformats.org/officeDocument/2006/relationships" xmlns:p="http://schemas.openxmlformats.org/presentationml/2006/main">
   <p:cSld>
     <p:spTree>
@@ -12005,7 +11909,7 @@
 </p:sld>
 </file>
 
-<file path=ppt/slides/slide46.xml><?xml version="1.0" encoding="utf-8"?>
+<file path=ppt/slides/slide45.xml><?xml version="1.0" encoding="utf-8"?>
 <p:sld xmlns:a="http://schemas.openxmlformats.org/drawingml/2006/main" xmlns:r="http://schemas.openxmlformats.org/officeDocument/2006/relationships" xmlns:p="http://schemas.openxmlformats.org/presentationml/2006/main">
   <p:cSld>
     <p:spTree>
@@ -12104,7 +12008,7 @@
 </p:sld>
 </file>
 
-<file path=ppt/slides/slide47.xml><?xml version="1.0" encoding="utf-8"?>
+<file path=ppt/slides/slide46.xml><?xml version="1.0" encoding="utf-8"?>
 <p:sld xmlns:a="http://schemas.openxmlformats.org/drawingml/2006/main" xmlns:r="http://schemas.openxmlformats.org/officeDocument/2006/relationships" xmlns:p="http://schemas.openxmlformats.org/presentationml/2006/main">
   <p:cSld>
     <p:spTree>
@@ -12203,7 +12107,7 @@
 </p:sld>
 </file>
 
-<file path=ppt/slides/slide48.xml><?xml version="1.0" encoding="utf-8"?>
+<file path=ppt/slides/slide47.xml><?xml version="1.0" encoding="utf-8"?>
 <p:sld xmlns:a="http://schemas.openxmlformats.org/drawingml/2006/main" xmlns:r="http://schemas.openxmlformats.org/officeDocument/2006/relationships" xmlns:p="http://schemas.openxmlformats.org/presentationml/2006/main">
   <p:cSld>
     <p:spTree>
@@ -12307,7 +12211,7 @@
 </p:sld>
 </file>
 
-<file path=ppt/slides/slide49.xml><?xml version="1.0" encoding="utf-8"?>
+<file path=ppt/slides/slide48.xml><?xml version="1.0" encoding="utf-8"?>
 <p:sld xmlns:a="http://schemas.openxmlformats.org/drawingml/2006/main" xmlns:r="http://schemas.openxmlformats.org/officeDocument/2006/relationships" xmlns:p="http://schemas.openxmlformats.org/presentationml/2006/main">
   <p:cSld>
     <p:spTree>
@@ -12419,6 +12323,129 @@
     <p:extLst>
       <p:ext uri="{BB962C8B-B14F-4D97-AF65-F5344CB8AC3E}">
         <p14:creationId xmlns:p14="http://schemas.microsoft.com/office/powerpoint/2010/main" val="3538092848"/>
+      </p:ext>
+    </p:extLst>
+  </p:cSld>
+  <p:clrMapOvr>
+    <a:masterClrMapping/>
+  </p:clrMapOvr>
+  <p:timing>
+    <p:tnLst>
+      <p:par>
+        <p:cTn id="1" dur="indefinite" restart="never" nodeType="tmRoot"/>
+      </p:par>
+    </p:tnLst>
+  </p:timing>
+</p:sld>
+</file>
+
+<file path=ppt/slides/slide49.xml><?xml version="1.0" encoding="utf-8"?>
+<p:sld xmlns:a="http://schemas.openxmlformats.org/drawingml/2006/main" xmlns:r="http://schemas.openxmlformats.org/officeDocument/2006/relationships" xmlns:p="http://schemas.openxmlformats.org/presentationml/2006/main">
+  <p:cSld>
+    <p:spTree>
+      <p:nvGrpSpPr>
+        <p:cNvPr id="1" name=""/>
+        <p:cNvGrpSpPr/>
+        <p:nvPr/>
+      </p:nvGrpSpPr>
+      <p:grpSpPr>
+        <a:xfrm>
+          <a:off x="0" y="0"/>
+          <a:ext cx="0" cy="0"/>
+          <a:chOff x="0" y="0"/>
+          <a:chExt cx="0" cy="0"/>
+        </a:xfrm>
+      </p:grpSpPr>
+      <p:sp>
+        <p:nvSpPr>
+          <p:cNvPr id="2" name="標題 1"/>
+          <p:cNvSpPr>
+            <a:spLocks noGrp="1"/>
+          </p:cNvSpPr>
+          <p:nvPr>
+            <p:ph type="title"/>
+          </p:nvPr>
+        </p:nvSpPr>
+        <p:spPr/>
+        <p:txBody>
+          <a:bodyPr/>
+          <a:lstStyle/>
+          <a:p>
+            <a:endParaRPr lang="zh-TW" altLang="en-US"/>
+          </a:p>
+        </p:txBody>
+      </p:sp>
+      <p:sp>
+        <p:nvSpPr>
+          <p:cNvPr id="3" name="內容版面配置區 2"/>
+          <p:cNvSpPr>
+            <a:spLocks noGrp="1"/>
+          </p:cNvSpPr>
+          <p:nvPr>
+            <p:ph idx="1"/>
+          </p:nvPr>
+        </p:nvSpPr>
+        <p:spPr/>
+        <p:txBody>
+          <a:bodyPr/>
+          <a:lstStyle/>
+          <a:p>
+            <a:endParaRPr lang="zh-TW" altLang="en-US"/>
+          </a:p>
+        </p:txBody>
+      </p:sp>
+      <p:pic>
+        <p:nvPicPr>
+          <p:cNvPr id="4" name="圖片 3"/>
+          <p:cNvPicPr>
+            <a:picLocks noChangeAspect="1"/>
+          </p:cNvPicPr>
+          <p:nvPr/>
+        </p:nvPicPr>
+        <p:blipFill>
+          <a:blip r:embed="rId2"/>
+          <a:stretch>
+            <a:fillRect/>
+          </a:stretch>
+        </p:blipFill>
+        <p:spPr>
+          <a:xfrm>
+            <a:off x="2589211" y="2133600"/>
+            <a:ext cx="8323809" cy="2619048"/>
+          </a:xfrm>
+          <a:prstGeom prst="rect">
+            <a:avLst/>
+          </a:prstGeom>
+        </p:spPr>
+      </p:pic>
+      <p:pic>
+        <p:nvPicPr>
+          <p:cNvPr id="5" name="圖片 4"/>
+          <p:cNvPicPr>
+            <a:picLocks noChangeAspect="1"/>
+          </p:cNvPicPr>
+          <p:nvPr/>
+        </p:nvPicPr>
+        <p:blipFill>
+          <a:blip r:embed="rId3"/>
+          <a:stretch>
+            <a:fillRect/>
+          </a:stretch>
+        </p:blipFill>
+        <p:spPr>
+          <a:xfrm>
+            <a:off x="2589212" y="4752648"/>
+            <a:ext cx="8323809" cy="1752381"/>
+          </a:xfrm>
+          <a:prstGeom prst="rect">
+            <a:avLst/>
+          </a:prstGeom>
+        </p:spPr>
+      </p:pic>
+    </p:spTree>
+    <p:extLst>
+      <p:ext uri="{BB962C8B-B14F-4D97-AF65-F5344CB8AC3E}">
+        <p14:creationId xmlns:p14="http://schemas.microsoft.com/office/powerpoint/2010/main" val="1913800973"/>
       </p:ext>
     </p:extLst>
   </p:cSld>
@@ -12811,129 +12838,6 @@
         </p:blipFill>
         <p:spPr>
           <a:xfrm>
-            <a:off x="2589211" y="2133600"/>
-            <a:ext cx="8323809" cy="2619048"/>
-          </a:xfrm>
-          <a:prstGeom prst="rect">
-            <a:avLst/>
-          </a:prstGeom>
-        </p:spPr>
-      </p:pic>
-      <p:pic>
-        <p:nvPicPr>
-          <p:cNvPr id="5" name="圖片 4"/>
-          <p:cNvPicPr>
-            <a:picLocks noChangeAspect="1"/>
-          </p:cNvPicPr>
-          <p:nvPr/>
-        </p:nvPicPr>
-        <p:blipFill>
-          <a:blip r:embed="rId3"/>
-          <a:stretch>
-            <a:fillRect/>
-          </a:stretch>
-        </p:blipFill>
-        <p:spPr>
-          <a:xfrm>
-            <a:off x="2589212" y="4752648"/>
-            <a:ext cx="8323809" cy="1752381"/>
-          </a:xfrm>
-          <a:prstGeom prst="rect">
-            <a:avLst/>
-          </a:prstGeom>
-        </p:spPr>
-      </p:pic>
-    </p:spTree>
-    <p:extLst>
-      <p:ext uri="{BB962C8B-B14F-4D97-AF65-F5344CB8AC3E}">
-        <p14:creationId xmlns:p14="http://schemas.microsoft.com/office/powerpoint/2010/main" val="1913800973"/>
-      </p:ext>
-    </p:extLst>
-  </p:cSld>
-  <p:clrMapOvr>
-    <a:masterClrMapping/>
-  </p:clrMapOvr>
-  <p:timing>
-    <p:tnLst>
-      <p:par>
-        <p:cTn id="1" dur="indefinite" restart="never" nodeType="tmRoot"/>
-      </p:par>
-    </p:tnLst>
-  </p:timing>
-</p:sld>
-</file>
-
-<file path=ppt/slides/slide51.xml><?xml version="1.0" encoding="utf-8"?>
-<p:sld xmlns:a="http://schemas.openxmlformats.org/drawingml/2006/main" xmlns:r="http://schemas.openxmlformats.org/officeDocument/2006/relationships" xmlns:p="http://schemas.openxmlformats.org/presentationml/2006/main">
-  <p:cSld>
-    <p:spTree>
-      <p:nvGrpSpPr>
-        <p:cNvPr id="1" name=""/>
-        <p:cNvGrpSpPr/>
-        <p:nvPr/>
-      </p:nvGrpSpPr>
-      <p:grpSpPr>
-        <a:xfrm>
-          <a:off x="0" y="0"/>
-          <a:ext cx="0" cy="0"/>
-          <a:chOff x="0" y="0"/>
-          <a:chExt cx="0" cy="0"/>
-        </a:xfrm>
-      </p:grpSpPr>
-      <p:sp>
-        <p:nvSpPr>
-          <p:cNvPr id="2" name="標題 1"/>
-          <p:cNvSpPr>
-            <a:spLocks noGrp="1"/>
-          </p:cNvSpPr>
-          <p:nvPr>
-            <p:ph type="title"/>
-          </p:nvPr>
-        </p:nvSpPr>
-        <p:spPr/>
-        <p:txBody>
-          <a:bodyPr/>
-          <a:lstStyle/>
-          <a:p>
-            <a:endParaRPr lang="zh-TW" altLang="en-US"/>
-          </a:p>
-        </p:txBody>
-      </p:sp>
-      <p:sp>
-        <p:nvSpPr>
-          <p:cNvPr id="3" name="內容版面配置區 2"/>
-          <p:cNvSpPr>
-            <a:spLocks noGrp="1"/>
-          </p:cNvSpPr>
-          <p:nvPr>
-            <p:ph idx="1"/>
-          </p:nvPr>
-        </p:nvSpPr>
-        <p:spPr/>
-        <p:txBody>
-          <a:bodyPr/>
-          <a:lstStyle/>
-          <a:p>
-            <a:endParaRPr lang="zh-TW" altLang="en-US"/>
-          </a:p>
-        </p:txBody>
-      </p:sp>
-      <p:pic>
-        <p:nvPicPr>
-          <p:cNvPr id="4" name="圖片 3"/>
-          <p:cNvPicPr>
-            <a:picLocks noChangeAspect="1"/>
-          </p:cNvPicPr>
-          <p:nvPr/>
-        </p:nvPicPr>
-        <p:blipFill>
-          <a:blip r:embed="rId2"/>
-          <a:stretch>
-            <a:fillRect/>
-          </a:stretch>
-        </p:blipFill>
-        <p:spPr>
-          <a:xfrm>
             <a:off x="2589212" y="2133600"/>
             <a:ext cx="8257143" cy="1742857"/>
           </a:xfrm>
@@ -12986,7 +12890,7 @@
 </p:sld>
 </file>
 
-<file path=ppt/slides/slide52.xml><?xml version="1.0" encoding="utf-8"?>
+<file path=ppt/slides/slide51.xml><?xml version="1.0" encoding="utf-8"?>
 <p:sld xmlns:a="http://schemas.openxmlformats.org/drawingml/2006/main" xmlns:r="http://schemas.openxmlformats.org/officeDocument/2006/relationships" xmlns:p="http://schemas.openxmlformats.org/presentationml/2006/main">
   <p:cSld>
     <p:spTree>
